--- a/Spark_Streaming_NLTK_LWalsh_15min.pptx
+++ b/Spark_Streaming_NLTK_LWalsh_15min.pptx
@@ -5,10 +5,10 @@
     <p:sldMasterId id="2147483648" r:id="rId1"/>
   </p:sldMasterIdLst>
   <p:notesMasterIdLst>
-    <p:notesMasterId r:id="rId16"/>
+    <p:notesMasterId r:id="rId19"/>
   </p:notesMasterIdLst>
   <p:handoutMasterIdLst>
-    <p:handoutMasterId r:id="rId17"/>
+    <p:handoutMasterId r:id="rId20"/>
   </p:handoutMasterIdLst>
   <p:sldIdLst>
     <p:sldId id="256" r:id="rId2"/>
@@ -20,11 +20,14 @@
     <p:sldId id="426" r:id="rId8"/>
     <p:sldId id="431" r:id="rId9"/>
     <p:sldId id="427" r:id="rId10"/>
-    <p:sldId id="428" r:id="rId11"/>
-    <p:sldId id="432" r:id="rId12"/>
-    <p:sldId id="429" r:id="rId13"/>
-    <p:sldId id="430" r:id="rId14"/>
-    <p:sldId id="419" r:id="rId15"/>
+    <p:sldId id="433" r:id="rId11"/>
+    <p:sldId id="428" r:id="rId12"/>
+    <p:sldId id="432" r:id="rId13"/>
+    <p:sldId id="429" r:id="rId14"/>
+    <p:sldId id="435" r:id="rId15"/>
+    <p:sldId id="436" r:id="rId16"/>
+    <p:sldId id="430" r:id="rId17"/>
+    <p:sldId id="419" r:id="rId18"/>
   </p:sldIdLst>
   <p:sldSz cx="9144000" cy="6858000" type="screen4x3"/>
   <p:notesSz cx="6858000" cy="9144000"/>
@@ -5765,7 +5768,7 @@
           <a:p>
             <a:pPr marL="457200" lvl="1"/>
             <a:r>
-              <a:rPr lang="en-US" sz="3200" kern="1200" dirty="0">
+              <a:rPr lang="en-US" sz="3200" kern="1200" dirty="0" smtClean="0">
                 <a:solidFill>
                   <a:srgbClr val="0070C0"/>
                 </a:solidFill>
@@ -5773,18 +5776,7 @@
                 <a:ea typeface="+mj-ea"/>
                 <a:cs typeface="+mj-cs"/>
               </a:rPr>
-              <a:t>3</a:t>
-            </a:r>
-            <a:r>
-              <a:rPr lang="en-US" sz="3200" kern="1200" dirty="0" smtClean="0">
-                <a:solidFill>
-                  <a:srgbClr val="0070C0"/>
-                </a:solidFill>
-                <a:latin typeface="+mj-lt"/>
-                <a:ea typeface="+mj-ea"/>
-                <a:cs typeface="+mj-cs"/>
-              </a:rPr>
-              <a:t>. Start Streaming and Classify!</a:t>
+              <a:t>2. Connect Twitter Stream</a:t>
             </a:r>
             <a:endParaRPr lang="en-US" sz="3200" kern="1200" dirty="0">
               <a:solidFill>
@@ -5814,28 +5806,86 @@
           <a:p>
             <a:r>
               <a:rPr lang="en-US" dirty="0" smtClean="0"/>
-              <a:t>For each batch of Tweets that comes in, format the data to prepare to run through the classifier</a:t>
-            </a:r>
-            <a:endParaRPr lang="en-US" dirty="0"/>
-          </a:p>
-          <a:p>
+              <a:t>Setup </a:t>
+            </a:r>
             <a:r>
               <a:rPr lang="en-US" dirty="0" smtClean="0"/>
-              <a:t>Apply the Naïve Bayes model features to the tweets</a:t>
-            </a:r>
-          </a:p>
-          <a:p>
+              <a:t>Spark streaming context that makes get requests using the above setup</a:t>
+            </a:r>
+          </a:p>
+          <a:p>
+            <a:pPr lvl="1"/>
             <a:r>
               <a:rPr lang="en-US" dirty="0" smtClean="0"/>
-              <a:t>Classify Tweets and capture output:</a:t>
+              <a:t>Can specify search term (e.g. ‘Trump’) and get Tweets containing that term</a:t>
             </a:r>
           </a:p>
           <a:p>
             <a:pPr lvl="1"/>
             <a:r>
               <a:rPr lang="en-US" dirty="0" smtClean="0"/>
-              <a:t>In this case we’re just capturing number of positive/negative tweets per batch</a:t>
-            </a:r>
+              <a:t>Can specify the batch interval for which to make requests (e.g. 30 seconds</a:t>
+            </a:r>
+            <a:r>
+              <a:rPr lang="en-US" dirty="0" smtClean="0"/>
+              <a:t>)</a:t>
+            </a:r>
+          </a:p>
+          <a:p>
+            <a:r>
+              <a:rPr lang="en-US" dirty="0" smtClean="0"/>
+              <a:t>Results are returned as </a:t>
+            </a:r>
+            <a:r>
+              <a:rPr lang="en-US" dirty="0" err="1" smtClean="0"/>
+              <a:t>JSON</a:t>
+            </a:r>
+            <a:r>
+              <a:rPr lang="en-US" dirty="0" smtClean="0"/>
+              <a:t> object, so the data needs to be parsed into a usable format</a:t>
+            </a:r>
+          </a:p>
+          <a:p>
+            <a:pPr lvl="1"/>
+            <a:r>
+              <a:rPr lang="en-US" dirty="0" smtClean="0"/>
+              <a:t>For this project we’re interested in the “message” content</a:t>
+            </a:r>
+          </a:p>
+          <a:p>
+            <a:pPr lvl="1"/>
+            <a:r>
+              <a:rPr lang="en-US" dirty="0" smtClean="0"/>
+              <a:t>Other interesting data such as user, location, </a:t>
+            </a:r>
+            <a:r>
+              <a:rPr lang="en-US" dirty="0" err="1" smtClean="0"/>
+              <a:t>etc</a:t>
+            </a:r>
+            <a:r>
+              <a:rPr lang="en-US" dirty="0" smtClean="0"/>
+              <a:t>, also available</a:t>
+            </a:r>
+            <a:endParaRPr lang="en-US" dirty="0" smtClean="0"/>
+          </a:p>
+          <a:p>
+            <a:r>
+              <a:rPr lang="en-US" dirty="0" smtClean="0"/>
+              <a:t>{{insert </a:t>
+            </a:r>
+            <a:r>
+              <a:rPr lang="en-US" dirty="0" err="1" smtClean="0"/>
+              <a:t>JSON</a:t>
+            </a:r>
+            <a:r>
+              <a:rPr lang="en-US" dirty="0" smtClean="0"/>
+              <a:t> response here}}</a:t>
+            </a:r>
+            <a:endParaRPr lang="en-US" dirty="0" smtClean="0"/>
+          </a:p>
+          <a:p>
+            <a:pPr lvl="1"/>
+            <a:endParaRPr lang="en-US" dirty="0" smtClean="0"/>
           </a:p>
         </p:txBody>
       </p:sp>
@@ -6065,7 +6115,7 @@
     </p:spTree>
     <p:extLst>
       <p:ext uri="{BB962C8B-B14F-4D97-AF65-F5344CB8AC3E}">
-        <p14:creationId xmlns:p14="http://schemas.microsoft.com/office/powerpoint/2010/main" val="1758214690"/>
+        <p14:creationId xmlns:p14="http://schemas.microsoft.com/office/powerpoint/2010/main" val="2915773590"/>
       </p:ext>
     </p:extLst>
   </p:cSld>
@@ -6102,12 +6152,7 @@
             <p:ph type="title"/>
           </p:nvPr>
         </p:nvSpPr>
-        <p:spPr>
-          <a:xfrm>
-            <a:off x="457200" y="2590800"/>
-            <a:ext cx="8229600" cy="715962"/>
-          </a:xfrm>
-        </p:spPr>
+        <p:spPr/>
         <p:txBody>
           <a:bodyPr>
             <a:normAutofit/>
@@ -6116,7 +6161,7 @@
           <a:p>
             <a:pPr marL="457200" lvl="1"/>
             <a:r>
-              <a:rPr lang="en-US" sz="3200" kern="1200" dirty="0" smtClean="0">
+              <a:rPr lang="en-US" sz="3200" kern="1200" dirty="0">
                 <a:solidFill>
                   <a:srgbClr val="0070C0"/>
                 </a:solidFill>
@@ -6124,7 +6169,18 @@
                 <a:ea typeface="+mj-ea"/>
                 <a:cs typeface="+mj-cs"/>
               </a:rPr>
-              <a:t>Live Demo</a:t>
+              <a:t>3</a:t>
+            </a:r>
+            <a:r>
+              <a:rPr lang="en-US" sz="3200" kern="1200" dirty="0" smtClean="0">
+                <a:solidFill>
+                  <a:srgbClr val="0070C0"/>
+                </a:solidFill>
+                <a:latin typeface="+mj-lt"/>
+                <a:ea typeface="+mj-ea"/>
+                <a:cs typeface="+mj-cs"/>
+              </a:rPr>
+              <a:t>. Start Streaming and Classify!</a:t>
             </a:r>
             <a:endParaRPr lang="en-US" sz="3200" kern="1200" dirty="0">
               <a:solidFill>
@@ -6134,6 +6190,48 @@
               <a:ea typeface="+mj-ea"/>
               <a:cs typeface="+mj-cs"/>
             </a:endParaRPr>
+          </a:p>
+        </p:txBody>
+      </p:sp>
+      <p:sp>
+        <p:nvSpPr>
+          <p:cNvPr id="7" name="Content Placeholder 6"/>
+          <p:cNvSpPr>
+            <a:spLocks noGrp="1"/>
+          </p:cNvSpPr>
+          <p:nvPr>
+            <p:ph idx="1"/>
+          </p:nvPr>
+        </p:nvSpPr>
+        <p:spPr/>
+        <p:txBody>
+          <a:bodyPr/>
+          <a:lstStyle/>
+          <a:p>
+            <a:r>
+              <a:rPr lang="en-US" dirty="0" smtClean="0"/>
+              <a:t>For each batch of Tweets that comes in, format the data to prepare to run through the classifier</a:t>
+            </a:r>
+            <a:endParaRPr lang="en-US" dirty="0"/>
+          </a:p>
+          <a:p>
+            <a:r>
+              <a:rPr lang="en-US" dirty="0" smtClean="0"/>
+              <a:t>Apply the Naïve Bayes model features to the tweets</a:t>
+            </a:r>
+          </a:p>
+          <a:p>
+            <a:r>
+              <a:rPr lang="en-US" dirty="0" smtClean="0"/>
+              <a:t>Classify Tweets and capture output:</a:t>
+            </a:r>
+          </a:p>
+          <a:p>
+            <a:pPr lvl="1"/>
+            <a:r>
+              <a:rPr lang="en-US" dirty="0" smtClean="0"/>
+              <a:t>In this case we’re just capturing number of positive/negative tweets per batch</a:t>
+            </a:r>
           </a:p>
         </p:txBody>
       </p:sp>
@@ -6363,7 +6461,7 @@
     </p:spTree>
     <p:extLst>
       <p:ext uri="{BB962C8B-B14F-4D97-AF65-F5344CB8AC3E}">
-        <p14:creationId xmlns:p14="http://schemas.microsoft.com/office/powerpoint/2010/main" val="1169384909"/>
+        <p14:creationId xmlns:p14="http://schemas.microsoft.com/office/powerpoint/2010/main" val="1758214690"/>
       </p:ext>
     </p:extLst>
   </p:cSld>
@@ -6400,7 +6498,12 @@
             <p:ph type="title"/>
           </p:nvPr>
         </p:nvSpPr>
-        <p:spPr/>
+        <p:spPr>
+          <a:xfrm>
+            <a:off x="457200" y="2590800"/>
+            <a:ext cx="8229600" cy="715962"/>
+          </a:xfrm>
+        </p:spPr>
         <p:txBody>
           <a:bodyPr>
             <a:normAutofit/>
@@ -6417,7 +6520,7 @@
                 <a:ea typeface="+mj-ea"/>
                 <a:cs typeface="+mj-cs"/>
               </a:rPr>
-              <a:t>4. Visualize</a:t>
+              <a:t>Live Demo</a:t>
             </a:r>
             <a:endParaRPr lang="en-US" sz="3200" kern="1200" dirty="0">
               <a:solidFill>
@@ -6427,51 +6530,6 @@
               <a:ea typeface="+mj-ea"/>
               <a:cs typeface="+mj-cs"/>
             </a:endParaRPr>
-          </a:p>
-        </p:txBody>
-      </p:sp>
-      <p:sp>
-        <p:nvSpPr>
-          <p:cNvPr id="7" name="Content Placeholder 6"/>
-          <p:cNvSpPr>
-            <a:spLocks noGrp="1"/>
-          </p:cNvSpPr>
-          <p:nvPr>
-            <p:ph idx="1"/>
-          </p:nvPr>
-        </p:nvSpPr>
-        <p:spPr/>
-        <p:txBody>
-          <a:bodyPr/>
-          <a:lstStyle/>
-          <a:p>
-            <a:r>
-              <a:rPr lang="en-US" dirty="0" smtClean="0"/>
-              <a:t>Use standard D3.js library to produce trend graphs (nothing fancy)</a:t>
-            </a:r>
-          </a:p>
-          <a:p>
-            <a:r>
-              <a:rPr lang="en-US" dirty="0" smtClean="0"/>
-              <a:t>But! Potential for many other interesting visualizations</a:t>
-            </a:r>
-          </a:p>
-          <a:p>
-            <a:pPr lvl="1"/>
-            <a:r>
-              <a:rPr lang="en-US" dirty="0" smtClean="0"/>
-              <a:t>Ex: using Tweets’ location data to plot where the Tweet happened</a:t>
-            </a:r>
-          </a:p>
-          <a:p>
-            <a:pPr lvl="1"/>
-            <a:r>
-              <a:rPr lang="en-US" dirty="0" smtClean="0"/>
-              <a:t>Combined with sentiment analysis we could see how different regions feel about a subject on Twitter</a:t>
-            </a:r>
-          </a:p>
-          <a:p>
-            <a:endParaRPr lang="en-US" dirty="0" smtClean="0"/>
           </a:p>
         </p:txBody>
       </p:sp>
@@ -6701,7 +6759,7 @@
     </p:spTree>
     <p:extLst>
       <p:ext uri="{BB962C8B-B14F-4D97-AF65-F5344CB8AC3E}">
-        <p14:creationId xmlns:p14="http://schemas.microsoft.com/office/powerpoint/2010/main" val="1617195649"/>
+        <p14:creationId xmlns:p14="http://schemas.microsoft.com/office/powerpoint/2010/main" val="1169384909"/>
       </p:ext>
     </p:extLst>
   </p:cSld>
@@ -6755,7 +6813,7 @@
                 <a:ea typeface="+mj-ea"/>
                 <a:cs typeface="+mj-cs"/>
               </a:rPr>
-              <a:t>Pros vs. Cons</a:t>
+              <a:t>4. Visualize</a:t>
             </a:r>
             <a:endParaRPr lang="en-US" sz="3200" kern="1200" dirty="0">
               <a:solidFill>
@@ -6785,75 +6843,27 @@
           <a:p>
             <a:r>
               <a:rPr lang="en-US" dirty="0" smtClean="0"/>
-              <a:t>Pros:</a:t>
+              <a:t>Use standard D3.js library to produce trend graphs (nothing fancy)</a:t>
+            </a:r>
+          </a:p>
+          <a:p>
+            <a:r>
+              <a:rPr lang="en-US" dirty="0" smtClean="0"/>
+              <a:t>But! Potential for many other interesting visualizations</a:t>
             </a:r>
           </a:p>
           <a:p>
             <a:pPr lvl="1"/>
             <a:r>
               <a:rPr lang="en-US" dirty="0" smtClean="0"/>
-              <a:t>Spark has very fast batch processing compared to something like Hadoop due to in memory computations</a:t>
+              <a:t>Ex: using Tweets’ location data to plot where the Tweet happened</a:t>
             </a:r>
           </a:p>
           <a:p>
             <a:pPr lvl="1"/>
             <a:r>
               <a:rPr lang="en-US" dirty="0" smtClean="0"/>
-              <a:t>Spark is well suited for streaming applications and is scalable</a:t>
-            </a:r>
-          </a:p>
-          <a:p>
-            <a:pPr lvl="1"/>
-            <a:r>
-              <a:rPr lang="en-US" dirty="0" smtClean="0"/>
-              <a:t>Python </a:t>
-            </a:r>
-            <a:r>
-              <a:rPr lang="en-US" dirty="0" err="1" smtClean="0"/>
-              <a:t>NLTK</a:t>
-            </a:r>
-            <a:r>
-              <a:rPr lang="en-US" dirty="0" smtClean="0"/>
-              <a:t> library has many built-in tools to assist in NLP</a:t>
-            </a:r>
-          </a:p>
-          <a:p>
-            <a:pPr lvl="1"/>
-            <a:endParaRPr lang="en-US" dirty="0"/>
-          </a:p>
-          <a:p>
-            <a:r>
-              <a:rPr lang="en-US" dirty="0" smtClean="0"/>
-              <a:t>Cons:</a:t>
-            </a:r>
-          </a:p>
-          <a:p>
-            <a:pPr lvl="1"/>
-            <a:r>
-              <a:rPr lang="en-US" dirty="0" smtClean="0"/>
-              <a:t>No major cons from this demo project, but online research raised a few possibilities:</a:t>
-            </a:r>
-          </a:p>
-          <a:p>
-            <a:pPr lvl="2"/>
-            <a:r>
-              <a:rPr lang="en-US" dirty="0" smtClean="0"/>
-              <a:t>Python has useful tools but there are some things that are better handled or can only be done in Scala or Java, such as certain </a:t>
-            </a:r>
-            <a:r>
-              <a:rPr lang="en-US" dirty="0" err="1" smtClean="0"/>
-              <a:t>RDD</a:t>
-            </a:r>
-            <a:r>
-              <a:rPr lang="en-US" dirty="0" smtClean="0"/>
-              <a:t> operations</a:t>
-            </a:r>
-          </a:p>
-          <a:p>
-            <a:pPr lvl="2"/>
-            <a:r>
-              <a:rPr lang="en-US" dirty="0" smtClean="0"/>
-              <a:t>Scala and Java may potentially perform faster than Python. May depend on the application and further investigation is needed</a:t>
+              <a:t>Combined with sentiment analysis we could see how different regions feel about a subject on Twitter</a:t>
             </a:r>
           </a:p>
           <a:p>
@@ -7087,7 +7097,7 @@
     </p:spTree>
     <p:extLst>
       <p:ext uri="{BB962C8B-B14F-4D97-AF65-F5344CB8AC3E}">
-        <p14:creationId xmlns:p14="http://schemas.microsoft.com/office/powerpoint/2010/main" val="358822978"/>
+        <p14:creationId xmlns:p14="http://schemas.microsoft.com/office/powerpoint/2010/main" val="1617195649"/>
       </p:ext>
     </p:extLst>
   </p:cSld>
@@ -7133,7 +7143,7 @@
           <a:p>
             <a:r>
               <a:rPr lang="en-US" dirty="0" smtClean="0"/>
-              <a:t>YouTube URLs, Last Page</a:t>
+              <a:t>Output</a:t>
             </a:r>
             <a:endParaRPr lang="en-US" dirty="0"/>
           </a:p>
@@ -7154,17 +7164,14 @@
           <a:bodyPr/>
           <a:lstStyle/>
           <a:p>
-            <a:r>
-              <a:rPr lang="en-US" dirty="0" smtClean="0"/>
-              <a:t>Two minute (short):</a:t>
-            </a:r>
-          </a:p>
-          <a:p>
-            <a:r>
-              <a:rPr lang="en-US" dirty="0" smtClean="0"/>
-              <a:t>15 minutes (long):</a:t>
-            </a:r>
-            <a:endParaRPr lang="en-US" dirty="0"/>
+            <a:pPr marL="457200" lvl="1" indent="0">
+              <a:buNone/>
+            </a:pPr>
+            <a:endParaRPr lang="en-US" dirty="0" smtClean="0"/>
+          </a:p>
+          <a:p>
+            <a:pPr lvl="1"/>
+            <a:endParaRPr lang="en-US" dirty="0" smtClean="0"/>
           </a:p>
         </p:txBody>
       </p:sp>
@@ -7386,6 +7393,1049 @@
                 <a:defRPr/>
               </a:pPr>
               <a:t>14</a:t>
+            </a:fld>
+            <a:endParaRPr lang="en-US" dirty="0"/>
+          </a:p>
+        </p:txBody>
+      </p:sp>
+      <p:pic>
+        <p:nvPicPr>
+          <p:cNvPr id="2" name="Picture 1"/>
+          <p:cNvPicPr>
+            <a:picLocks noChangeAspect="1"/>
+          </p:cNvPicPr>
+          <p:nvPr/>
+        </p:nvPicPr>
+        <p:blipFill>
+          <a:blip r:embed="rId2"/>
+          <a:stretch>
+            <a:fillRect/>
+          </a:stretch>
+        </p:blipFill>
+        <p:spPr>
+          <a:xfrm>
+            <a:off x="402142" y="944563"/>
+            <a:ext cx="8339716" cy="4968874"/>
+          </a:xfrm>
+          <a:prstGeom prst="rect">
+            <a:avLst/>
+          </a:prstGeom>
+        </p:spPr>
+      </p:pic>
+    </p:spTree>
+    <p:extLst>
+      <p:ext uri="{BB962C8B-B14F-4D97-AF65-F5344CB8AC3E}">
+        <p14:creationId xmlns:p14="http://schemas.microsoft.com/office/powerpoint/2010/main" val="642952562"/>
+      </p:ext>
+    </p:extLst>
+  </p:cSld>
+  <p:clrMapOvr>
+    <a:masterClrMapping/>
+  </p:clrMapOvr>
+</p:sld>
+</file>
+
+<file path=ppt/slides/slide15.xml><?xml version="1.0" encoding="utf-8"?>
+<p:sld xmlns:a="http://schemas.openxmlformats.org/drawingml/2006/main" xmlns:r="http://schemas.openxmlformats.org/officeDocument/2006/relationships" xmlns:p="http://schemas.openxmlformats.org/presentationml/2006/main">
+  <p:cSld>
+    <p:spTree>
+      <p:nvGrpSpPr>
+        <p:cNvPr id="1" name=""/>
+        <p:cNvGrpSpPr/>
+        <p:nvPr/>
+      </p:nvGrpSpPr>
+      <p:grpSpPr>
+        <a:xfrm>
+          <a:off x="0" y="0"/>
+          <a:ext cx="0" cy="0"/>
+          <a:chOff x="0" y="0"/>
+          <a:chExt cx="0" cy="0"/>
+        </a:xfrm>
+      </p:grpSpPr>
+      <p:sp>
+        <p:nvSpPr>
+          <p:cNvPr id="6" name="Title 5"/>
+          <p:cNvSpPr>
+            <a:spLocks noGrp="1"/>
+          </p:cNvSpPr>
+          <p:nvPr>
+            <p:ph type="title"/>
+          </p:nvPr>
+        </p:nvSpPr>
+        <p:spPr/>
+        <p:txBody>
+          <a:bodyPr>
+            <a:normAutofit/>
+          </a:bodyPr>
+          <a:lstStyle/>
+          <a:p>
+            <a:r>
+              <a:rPr lang="en-US" dirty="0" smtClean="0"/>
+              <a:t>Other Example</a:t>
+            </a:r>
+            <a:endParaRPr lang="en-US" dirty="0"/>
+          </a:p>
+        </p:txBody>
+      </p:sp>
+      <p:sp>
+        <p:nvSpPr>
+          <p:cNvPr id="7" name="Content Placeholder 6"/>
+          <p:cNvSpPr>
+            <a:spLocks noGrp="1"/>
+          </p:cNvSpPr>
+          <p:nvPr>
+            <p:ph idx="1"/>
+          </p:nvPr>
+        </p:nvSpPr>
+        <p:spPr/>
+        <p:txBody>
+          <a:bodyPr/>
+          <a:lstStyle/>
+          <a:p>
+            <a:pPr marL="457200" lvl="1" indent="0">
+              <a:buNone/>
+            </a:pPr>
+            <a:endParaRPr lang="en-US" dirty="0" smtClean="0"/>
+          </a:p>
+          <a:p>
+            <a:pPr lvl="1"/>
+            <a:endParaRPr lang="en-US" dirty="0" smtClean="0"/>
+          </a:p>
+        </p:txBody>
+      </p:sp>
+      <p:sp>
+        <p:nvSpPr>
+          <p:cNvPr id="4100" name="Footer Placeholder 3"/>
+          <p:cNvSpPr>
+            <a:spLocks noGrp="1"/>
+          </p:cNvSpPr>
+          <p:nvPr>
+            <p:ph type="ftr" sz="quarter" idx="11"/>
+          </p:nvPr>
+        </p:nvSpPr>
+        <p:spPr bwMode="auto">
+          <a:noFill/>
+          <a:extLst>
+            <a:ext uri="{909E8E84-426E-40DD-AFC4-6F175D3DCCD1}">
+              <a14:hiddenFill xmlns:a14="http://schemas.microsoft.com/office/drawing/2010/main">
+                <a:solidFill>
+                  <a:srgbClr val="FFFFFF"/>
+                </a:solidFill>
+              </a14:hiddenFill>
+            </a:ext>
+            <a:ext uri="{91240B29-F687-4F45-9708-019B960494DF}">
+              <a14:hiddenLine xmlns:a14="http://schemas.microsoft.com/office/drawing/2010/main" w="9525">
+                <a:solidFill>
+                  <a:srgbClr val="000000"/>
+                </a:solidFill>
+                <a:miter lim="800000"/>
+                <a:headEnd/>
+                <a:tailEnd/>
+              </a14:hiddenLine>
+            </a:ext>
+          </a:extLst>
+        </p:spPr>
+        <p:txBody>
+          <a:bodyPr/>
+          <a:lstStyle>
+            <a:lvl1pPr eaLnBrk="0" hangingPunct="0">
+              <a:spcBef>
+                <a:spcPct val="20000"/>
+              </a:spcBef>
+              <a:buClr>
+                <a:schemeClr val="hlink"/>
+              </a:buClr>
+              <a:buFont typeface="Wingdings" pitchFamily="2" charset="2"/>
+              <a:buChar char="§"/>
+              <a:defRPr sz="2800">
+                <a:solidFill>
+                  <a:schemeClr val="tx1"/>
+                </a:solidFill>
+                <a:latin typeface="Calibri" pitchFamily="34" charset="0"/>
+              </a:defRPr>
+            </a:lvl1pPr>
+            <a:lvl2pPr marL="742950" indent="-285750" eaLnBrk="0" hangingPunct="0">
+              <a:spcBef>
+                <a:spcPct val="20000"/>
+              </a:spcBef>
+              <a:buClr>
+                <a:srgbClr val="FF0000"/>
+              </a:buClr>
+              <a:buFont typeface="Wingdings" pitchFamily="2" charset="2"/>
+              <a:buChar char="§"/>
+              <a:defRPr sz="2400">
+                <a:solidFill>
+                  <a:schemeClr val="tx1"/>
+                </a:solidFill>
+                <a:latin typeface="Calibri" pitchFamily="34" charset="0"/>
+              </a:defRPr>
+            </a:lvl2pPr>
+            <a:lvl3pPr marL="1143000" indent="-228600" eaLnBrk="0" hangingPunct="0">
+              <a:spcBef>
+                <a:spcPct val="20000"/>
+              </a:spcBef>
+              <a:buClr>
+                <a:srgbClr val="00CC00"/>
+              </a:buClr>
+              <a:buFont typeface="Wingdings" pitchFamily="2" charset="2"/>
+              <a:buChar char="§"/>
+              <a:defRPr sz="2000">
+                <a:solidFill>
+                  <a:schemeClr val="tx1"/>
+                </a:solidFill>
+                <a:latin typeface="Calibri" pitchFamily="34" charset="0"/>
+              </a:defRPr>
+            </a:lvl3pPr>
+            <a:lvl4pPr marL="1600200" indent="-228600" eaLnBrk="0" hangingPunct="0">
+              <a:spcBef>
+                <a:spcPct val="20000"/>
+              </a:spcBef>
+              <a:buFont typeface="Arial" charset="0"/>
+              <a:buChar char="–"/>
+              <a:defRPr sz="2000">
+                <a:solidFill>
+                  <a:schemeClr val="tx1"/>
+                </a:solidFill>
+                <a:latin typeface="Calibri" pitchFamily="34" charset="0"/>
+              </a:defRPr>
+            </a:lvl4pPr>
+            <a:lvl5pPr marL="2057400" indent="-228600" eaLnBrk="0" hangingPunct="0">
+              <a:spcBef>
+                <a:spcPct val="20000"/>
+              </a:spcBef>
+              <a:buFont typeface="Arial" charset="0"/>
+              <a:buChar char="»"/>
+              <a:defRPr sz="2000">
+                <a:solidFill>
+                  <a:schemeClr val="tx1"/>
+                </a:solidFill>
+                <a:latin typeface="Calibri" pitchFamily="34" charset="0"/>
+              </a:defRPr>
+            </a:lvl5pPr>
+            <a:lvl6pPr marL="2514600" indent="-228600" eaLnBrk="0" fontAlgn="base" hangingPunct="0">
+              <a:spcBef>
+                <a:spcPct val="20000"/>
+              </a:spcBef>
+              <a:spcAft>
+                <a:spcPct val="0"/>
+              </a:spcAft>
+              <a:buFont typeface="Arial" charset="0"/>
+              <a:buChar char="»"/>
+              <a:defRPr sz="2000">
+                <a:solidFill>
+                  <a:schemeClr val="tx1"/>
+                </a:solidFill>
+                <a:latin typeface="Calibri" pitchFamily="34" charset="0"/>
+              </a:defRPr>
+            </a:lvl6pPr>
+            <a:lvl7pPr marL="2971800" indent="-228600" eaLnBrk="0" fontAlgn="base" hangingPunct="0">
+              <a:spcBef>
+                <a:spcPct val="20000"/>
+              </a:spcBef>
+              <a:spcAft>
+                <a:spcPct val="0"/>
+              </a:spcAft>
+              <a:buFont typeface="Arial" charset="0"/>
+              <a:buChar char="»"/>
+              <a:defRPr sz="2000">
+                <a:solidFill>
+                  <a:schemeClr val="tx1"/>
+                </a:solidFill>
+                <a:latin typeface="Calibri" pitchFamily="34" charset="0"/>
+              </a:defRPr>
+            </a:lvl7pPr>
+            <a:lvl8pPr marL="3429000" indent="-228600" eaLnBrk="0" fontAlgn="base" hangingPunct="0">
+              <a:spcBef>
+                <a:spcPct val="20000"/>
+              </a:spcBef>
+              <a:spcAft>
+                <a:spcPct val="0"/>
+              </a:spcAft>
+              <a:buFont typeface="Arial" charset="0"/>
+              <a:buChar char="»"/>
+              <a:defRPr sz="2000">
+                <a:solidFill>
+                  <a:schemeClr val="tx1"/>
+                </a:solidFill>
+                <a:latin typeface="Calibri" pitchFamily="34" charset="0"/>
+              </a:defRPr>
+            </a:lvl8pPr>
+            <a:lvl9pPr marL="3886200" indent="-228600" eaLnBrk="0" fontAlgn="base" hangingPunct="0">
+              <a:spcBef>
+                <a:spcPct val="20000"/>
+              </a:spcBef>
+              <a:spcAft>
+                <a:spcPct val="0"/>
+              </a:spcAft>
+              <a:buFont typeface="Arial" charset="0"/>
+              <a:buChar char="»"/>
+              <a:defRPr sz="2000">
+                <a:solidFill>
+                  <a:schemeClr val="tx1"/>
+                </a:solidFill>
+                <a:latin typeface="Calibri" pitchFamily="34" charset="0"/>
+              </a:defRPr>
+            </a:lvl9pPr>
+          </a:lstStyle>
+          <a:p>
+            <a:pPr eaLnBrk="1" hangingPunct="1">
+              <a:spcBef>
+                <a:spcPct val="0"/>
+              </a:spcBef>
+              <a:buClrTx/>
+              <a:buFontTx/>
+              <a:buNone/>
+            </a:pPr>
+            <a:r>
+              <a:rPr lang="en-US" altLang="en-US" sz="1200" dirty="0" smtClean="0">
+                <a:solidFill>
+                  <a:srgbClr val="898989"/>
+                </a:solidFill>
+              </a:rPr>
+              <a:t>Luke Walsh</a:t>
+            </a:r>
+          </a:p>
+        </p:txBody>
+      </p:sp>
+      <p:sp>
+        <p:nvSpPr>
+          <p:cNvPr id="5" name="Slide Number Placeholder 4"/>
+          <p:cNvSpPr>
+            <a:spLocks noGrp="1"/>
+          </p:cNvSpPr>
+          <p:nvPr>
+            <p:ph type="sldNum" sz="quarter" idx="12"/>
+          </p:nvPr>
+        </p:nvSpPr>
+        <p:spPr/>
+        <p:txBody>
+          <a:bodyPr/>
+          <a:lstStyle/>
+          <a:p>
+            <a:pPr>
+              <a:defRPr/>
+            </a:pPr>
+            <a:fld id="{76E1BF35-675D-491F-A687-B2C9BE79DFC7}" type="slidenum">
+              <a:rPr lang="en-US" smtClean="0"/>
+              <a:pPr>
+                <a:defRPr/>
+              </a:pPr>
+              <a:t>15</a:t>
+            </a:fld>
+            <a:endParaRPr lang="en-US" dirty="0"/>
+          </a:p>
+        </p:txBody>
+      </p:sp>
+    </p:spTree>
+    <p:extLst>
+      <p:ext uri="{BB962C8B-B14F-4D97-AF65-F5344CB8AC3E}">
+        <p14:creationId xmlns:p14="http://schemas.microsoft.com/office/powerpoint/2010/main" val="104107395"/>
+      </p:ext>
+    </p:extLst>
+  </p:cSld>
+  <p:clrMapOvr>
+    <a:masterClrMapping/>
+  </p:clrMapOvr>
+</p:sld>
+</file>
+
+<file path=ppt/slides/slide16.xml><?xml version="1.0" encoding="utf-8"?>
+<p:sld xmlns:a="http://schemas.openxmlformats.org/drawingml/2006/main" xmlns:r="http://schemas.openxmlformats.org/officeDocument/2006/relationships" xmlns:p="http://schemas.openxmlformats.org/presentationml/2006/main">
+  <p:cSld>
+    <p:spTree>
+      <p:nvGrpSpPr>
+        <p:cNvPr id="1" name=""/>
+        <p:cNvGrpSpPr/>
+        <p:nvPr/>
+      </p:nvGrpSpPr>
+      <p:grpSpPr>
+        <a:xfrm>
+          <a:off x="0" y="0"/>
+          <a:ext cx="0" cy="0"/>
+          <a:chOff x="0" y="0"/>
+          <a:chExt cx="0" cy="0"/>
+        </a:xfrm>
+      </p:grpSpPr>
+      <p:sp>
+        <p:nvSpPr>
+          <p:cNvPr id="6" name="Title 5"/>
+          <p:cNvSpPr>
+            <a:spLocks noGrp="1"/>
+          </p:cNvSpPr>
+          <p:nvPr>
+            <p:ph type="title"/>
+          </p:nvPr>
+        </p:nvSpPr>
+        <p:spPr/>
+        <p:txBody>
+          <a:bodyPr>
+            <a:normAutofit/>
+          </a:bodyPr>
+          <a:lstStyle/>
+          <a:p>
+            <a:pPr marL="457200" lvl="1"/>
+            <a:r>
+              <a:rPr lang="en-US" sz="3200" kern="1200" dirty="0" smtClean="0">
+                <a:solidFill>
+                  <a:srgbClr val="0070C0"/>
+                </a:solidFill>
+                <a:latin typeface="+mj-lt"/>
+                <a:ea typeface="+mj-ea"/>
+                <a:cs typeface="+mj-cs"/>
+              </a:rPr>
+              <a:t>Pros vs. Cons</a:t>
+            </a:r>
+            <a:endParaRPr lang="en-US" sz="3200" kern="1200" dirty="0">
+              <a:solidFill>
+                <a:srgbClr val="0070C0"/>
+              </a:solidFill>
+              <a:latin typeface="+mj-lt"/>
+              <a:ea typeface="+mj-ea"/>
+              <a:cs typeface="+mj-cs"/>
+            </a:endParaRPr>
+          </a:p>
+        </p:txBody>
+      </p:sp>
+      <p:sp>
+        <p:nvSpPr>
+          <p:cNvPr id="7" name="Content Placeholder 6"/>
+          <p:cNvSpPr>
+            <a:spLocks noGrp="1"/>
+          </p:cNvSpPr>
+          <p:nvPr>
+            <p:ph idx="1"/>
+          </p:nvPr>
+        </p:nvSpPr>
+        <p:spPr/>
+        <p:txBody>
+          <a:bodyPr/>
+          <a:lstStyle/>
+          <a:p>
+            <a:r>
+              <a:rPr lang="en-US" dirty="0" smtClean="0"/>
+              <a:t>Pros:</a:t>
+            </a:r>
+          </a:p>
+          <a:p>
+            <a:pPr lvl="1"/>
+            <a:r>
+              <a:rPr lang="en-US" dirty="0" smtClean="0"/>
+              <a:t>Spark has very fast batch processing compared to something like Hadoop due to in memory computations</a:t>
+            </a:r>
+          </a:p>
+          <a:p>
+            <a:pPr lvl="1"/>
+            <a:r>
+              <a:rPr lang="en-US" dirty="0" smtClean="0"/>
+              <a:t>Spark is well suited for streaming applications and is scalable</a:t>
+            </a:r>
+          </a:p>
+          <a:p>
+            <a:pPr lvl="1"/>
+            <a:r>
+              <a:rPr lang="en-US" dirty="0" smtClean="0"/>
+              <a:t>Python </a:t>
+            </a:r>
+            <a:r>
+              <a:rPr lang="en-US" dirty="0" err="1" smtClean="0"/>
+              <a:t>NLTK</a:t>
+            </a:r>
+            <a:r>
+              <a:rPr lang="en-US" dirty="0" smtClean="0"/>
+              <a:t> library has many built-in tools to assist in NLP</a:t>
+            </a:r>
+          </a:p>
+          <a:p>
+            <a:pPr lvl="1"/>
+            <a:r>
+              <a:rPr lang="en-US" dirty="0" smtClean="0"/>
+              <a:t>Overall, </a:t>
+            </a:r>
+            <a:r>
+              <a:rPr lang="en-US" dirty="0" err="1" smtClean="0"/>
+              <a:t>PySpark</a:t>
+            </a:r>
+            <a:r>
+              <a:rPr lang="en-US" dirty="0" smtClean="0"/>
+              <a:t> Streaming and </a:t>
+            </a:r>
+            <a:r>
+              <a:rPr lang="en-US" dirty="0" err="1" smtClean="0"/>
+              <a:t>NLTK</a:t>
+            </a:r>
+            <a:r>
+              <a:rPr lang="en-US" dirty="0" smtClean="0"/>
+              <a:t> are very useful</a:t>
+            </a:r>
+            <a:endParaRPr lang="en-US" dirty="0"/>
+          </a:p>
+          <a:p>
+            <a:r>
+              <a:rPr lang="en-US" dirty="0" smtClean="0"/>
+              <a:t>Cons:</a:t>
+            </a:r>
+          </a:p>
+          <a:p>
+            <a:pPr lvl="1"/>
+            <a:r>
+              <a:rPr lang="en-US" dirty="0" smtClean="0"/>
+              <a:t>No major cons from this demo project, but online research raised a few possibilities:</a:t>
+            </a:r>
+          </a:p>
+          <a:p>
+            <a:pPr lvl="2"/>
+            <a:r>
+              <a:rPr lang="en-US" dirty="0" smtClean="0"/>
+              <a:t>Python has useful tools but there are some things that are better handled or can only be done in Scala or Java, such as certain </a:t>
+            </a:r>
+            <a:r>
+              <a:rPr lang="en-US" dirty="0" err="1" smtClean="0"/>
+              <a:t>RDD</a:t>
+            </a:r>
+            <a:r>
+              <a:rPr lang="en-US" dirty="0" smtClean="0"/>
+              <a:t> operations</a:t>
+            </a:r>
+          </a:p>
+          <a:p>
+            <a:pPr lvl="2"/>
+            <a:r>
+              <a:rPr lang="en-US" dirty="0" smtClean="0"/>
+              <a:t>Scala and Java may potentially perform faster than Python. May depend on the </a:t>
+            </a:r>
+            <a:r>
+              <a:rPr lang="en-US" dirty="0" smtClean="0"/>
+              <a:t>application.</a:t>
+            </a:r>
+            <a:endParaRPr lang="en-US" dirty="0" smtClean="0"/>
+          </a:p>
+        </p:txBody>
+      </p:sp>
+      <p:sp>
+        <p:nvSpPr>
+          <p:cNvPr id="4100" name="Footer Placeholder 3"/>
+          <p:cNvSpPr>
+            <a:spLocks noGrp="1"/>
+          </p:cNvSpPr>
+          <p:nvPr>
+            <p:ph type="ftr" sz="quarter" idx="11"/>
+          </p:nvPr>
+        </p:nvSpPr>
+        <p:spPr bwMode="auto">
+          <a:noFill/>
+          <a:extLst>
+            <a:ext uri="{909E8E84-426E-40DD-AFC4-6F175D3DCCD1}">
+              <a14:hiddenFill xmlns:a14="http://schemas.microsoft.com/office/drawing/2010/main">
+                <a:solidFill>
+                  <a:srgbClr val="FFFFFF"/>
+                </a:solidFill>
+              </a14:hiddenFill>
+            </a:ext>
+            <a:ext uri="{91240B29-F687-4F45-9708-019B960494DF}">
+              <a14:hiddenLine xmlns:a14="http://schemas.microsoft.com/office/drawing/2010/main" w="9525">
+                <a:solidFill>
+                  <a:srgbClr val="000000"/>
+                </a:solidFill>
+                <a:miter lim="800000"/>
+                <a:headEnd/>
+                <a:tailEnd/>
+              </a14:hiddenLine>
+            </a:ext>
+          </a:extLst>
+        </p:spPr>
+        <p:txBody>
+          <a:bodyPr/>
+          <a:lstStyle>
+            <a:lvl1pPr eaLnBrk="0" hangingPunct="0">
+              <a:spcBef>
+                <a:spcPct val="20000"/>
+              </a:spcBef>
+              <a:buClr>
+                <a:schemeClr val="hlink"/>
+              </a:buClr>
+              <a:buFont typeface="Wingdings" pitchFamily="2" charset="2"/>
+              <a:buChar char="§"/>
+              <a:defRPr sz="2800">
+                <a:solidFill>
+                  <a:schemeClr val="tx1"/>
+                </a:solidFill>
+                <a:latin typeface="Calibri" pitchFamily="34" charset="0"/>
+              </a:defRPr>
+            </a:lvl1pPr>
+            <a:lvl2pPr marL="742950" indent="-285750" eaLnBrk="0" hangingPunct="0">
+              <a:spcBef>
+                <a:spcPct val="20000"/>
+              </a:spcBef>
+              <a:buClr>
+                <a:srgbClr val="FF0000"/>
+              </a:buClr>
+              <a:buFont typeface="Wingdings" pitchFamily="2" charset="2"/>
+              <a:buChar char="§"/>
+              <a:defRPr sz="2400">
+                <a:solidFill>
+                  <a:schemeClr val="tx1"/>
+                </a:solidFill>
+                <a:latin typeface="Calibri" pitchFamily="34" charset="0"/>
+              </a:defRPr>
+            </a:lvl2pPr>
+            <a:lvl3pPr marL="1143000" indent="-228600" eaLnBrk="0" hangingPunct="0">
+              <a:spcBef>
+                <a:spcPct val="20000"/>
+              </a:spcBef>
+              <a:buClr>
+                <a:srgbClr val="00CC00"/>
+              </a:buClr>
+              <a:buFont typeface="Wingdings" pitchFamily="2" charset="2"/>
+              <a:buChar char="§"/>
+              <a:defRPr sz="2000">
+                <a:solidFill>
+                  <a:schemeClr val="tx1"/>
+                </a:solidFill>
+                <a:latin typeface="Calibri" pitchFamily="34" charset="0"/>
+              </a:defRPr>
+            </a:lvl3pPr>
+            <a:lvl4pPr marL="1600200" indent="-228600" eaLnBrk="0" hangingPunct="0">
+              <a:spcBef>
+                <a:spcPct val="20000"/>
+              </a:spcBef>
+              <a:buFont typeface="Arial" charset="0"/>
+              <a:buChar char="–"/>
+              <a:defRPr sz="2000">
+                <a:solidFill>
+                  <a:schemeClr val="tx1"/>
+                </a:solidFill>
+                <a:latin typeface="Calibri" pitchFamily="34" charset="0"/>
+              </a:defRPr>
+            </a:lvl4pPr>
+            <a:lvl5pPr marL="2057400" indent="-228600" eaLnBrk="0" hangingPunct="0">
+              <a:spcBef>
+                <a:spcPct val="20000"/>
+              </a:spcBef>
+              <a:buFont typeface="Arial" charset="0"/>
+              <a:buChar char="»"/>
+              <a:defRPr sz="2000">
+                <a:solidFill>
+                  <a:schemeClr val="tx1"/>
+                </a:solidFill>
+                <a:latin typeface="Calibri" pitchFamily="34" charset="0"/>
+              </a:defRPr>
+            </a:lvl5pPr>
+            <a:lvl6pPr marL="2514600" indent="-228600" eaLnBrk="0" fontAlgn="base" hangingPunct="0">
+              <a:spcBef>
+                <a:spcPct val="20000"/>
+              </a:spcBef>
+              <a:spcAft>
+                <a:spcPct val="0"/>
+              </a:spcAft>
+              <a:buFont typeface="Arial" charset="0"/>
+              <a:buChar char="»"/>
+              <a:defRPr sz="2000">
+                <a:solidFill>
+                  <a:schemeClr val="tx1"/>
+                </a:solidFill>
+                <a:latin typeface="Calibri" pitchFamily="34" charset="0"/>
+              </a:defRPr>
+            </a:lvl6pPr>
+            <a:lvl7pPr marL="2971800" indent="-228600" eaLnBrk="0" fontAlgn="base" hangingPunct="0">
+              <a:spcBef>
+                <a:spcPct val="20000"/>
+              </a:spcBef>
+              <a:spcAft>
+                <a:spcPct val="0"/>
+              </a:spcAft>
+              <a:buFont typeface="Arial" charset="0"/>
+              <a:buChar char="»"/>
+              <a:defRPr sz="2000">
+                <a:solidFill>
+                  <a:schemeClr val="tx1"/>
+                </a:solidFill>
+                <a:latin typeface="Calibri" pitchFamily="34" charset="0"/>
+              </a:defRPr>
+            </a:lvl7pPr>
+            <a:lvl8pPr marL="3429000" indent="-228600" eaLnBrk="0" fontAlgn="base" hangingPunct="0">
+              <a:spcBef>
+                <a:spcPct val="20000"/>
+              </a:spcBef>
+              <a:spcAft>
+                <a:spcPct val="0"/>
+              </a:spcAft>
+              <a:buFont typeface="Arial" charset="0"/>
+              <a:buChar char="»"/>
+              <a:defRPr sz="2000">
+                <a:solidFill>
+                  <a:schemeClr val="tx1"/>
+                </a:solidFill>
+                <a:latin typeface="Calibri" pitchFamily="34" charset="0"/>
+              </a:defRPr>
+            </a:lvl8pPr>
+            <a:lvl9pPr marL="3886200" indent="-228600" eaLnBrk="0" fontAlgn="base" hangingPunct="0">
+              <a:spcBef>
+                <a:spcPct val="20000"/>
+              </a:spcBef>
+              <a:spcAft>
+                <a:spcPct val="0"/>
+              </a:spcAft>
+              <a:buFont typeface="Arial" charset="0"/>
+              <a:buChar char="»"/>
+              <a:defRPr sz="2000">
+                <a:solidFill>
+                  <a:schemeClr val="tx1"/>
+                </a:solidFill>
+                <a:latin typeface="Calibri" pitchFamily="34" charset="0"/>
+              </a:defRPr>
+            </a:lvl9pPr>
+          </a:lstStyle>
+          <a:p>
+            <a:pPr eaLnBrk="1" hangingPunct="1">
+              <a:spcBef>
+                <a:spcPct val="0"/>
+              </a:spcBef>
+              <a:buClrTx/>
+              <a:buFontTx/>
+              <a:buNone/>
+            </a:pPr>
+            <a:r>
+              <a:rPr lang="en-US" altLang="en-US" sz="1200" dirty="0" smtClean="0">
+                <a:solidFill>
+                  <a:srgbClr val="898989"/>
+                </a:solidFill>
+              </a:rPr>
+              <a:t>Luke Walsh</a:t>
+            </a:r>
+          </a:p>
+        </p:txBody>
+      </p:sp>
+      <p:sp>
+        <p:nvSpPr>
+          <p:cNvPr id="5" name="Slide Number Placeholder 4"/>
+          <p:cNvSpPr>
+            <a:spLocks noGrp="1"/>
+          </p:cNvSpPr>
+          <p:nvPr>
+            <p:ph type="sldNum" sz="quarter" idx="12"/>
+          </p:nvPr>
+        </p:nvSpPr>
+        <p:spPr/>
+        <p:txBody>
+          <a:bodyPr/>
+          <a:lstStyle/>
+          <a:p>
+            <a:pPr>
+              <a:defRPr/>
+            </a:pPr>
+            <a:fld id="{76E1BF35-675D-491F-A687-B2C9BE79DFC7}" type="slidenum">
+              <a:rPr lang="en-US" smtClean="0"/>
+              <a:pPr>
+                <a:defRPr/>
+              </a:pPr>
+              <a:t>16</a:t>
+            </a:fld>
+            <a:endParaRPr lang="en-US" dirty="0"/>
+          </a:p>
+        </p:txBody>
+      </p:sp>
+    </p:spTree>
+    <p:extLst>
+      <p:ext uri="{BB962C8B-B14F-4D97-AF65-F5344CB8AC3E}">
+        <p14:creationId xmlns:p14="http://schemas.microsoft.com/office/powerpoint/2010/main" val="358822978"/>
+      </p:ext>
+    </p:extLst>
+  </p:cSld>
+  <p:clrMapOvr>
+    <a:masterClrMapping/>
+  </p:clrMapOvr>
+</p:sld>
+</file>
+
+<file path=ppt/slides/slide17.xml><?xml version="1.0" encoding="utf-8"?>
+<p:sld xmlns:a="http://schemas.openxmlformats.org/drawingml/2006/main" xmlns:r="http://schemas.openxmlformats.org/officeDocument/2006/relationships" xmlns:p="http://schemas.openxmlformats.org/presentationml/2006/main">
+  <p:cSld>
+    <p:spTree>
+      <p:nvGrpSpPr>
+        <p:cNvPr id="1" name=""/>
+        <p:cNvGrpSpPr/>
+        <p:nvPr/>
+      </p:nvGrpSpPr>
+      <p:grpSpPr>
+        <a:xfrm>
+          <a:off x="0" y="0"/>
+          <a:ext cx="0" cy="0"/>
+          <a:chOff x="0" y="0"/>
+          <a:chExt cx="0" cy="0"/>
+        </a:xfrm>
+      </p:grpSpPr>
+      <p:sp>
+        <p:nvSpPr>
+          <p:cNvPr id="6" name="Title 5"/>
+          <p:cNvSpPr>
+            <a:spLocks noGrp="1"/>
+          </p:cNvSpPr>
+          <p:nvPr>
+            <p:ph type="title"/>
+          </p:nvPr>
+        </p:nvSpPr>
+        <p:spPr/>
+        <p:txBody>
+          <a:bodyPr>
+            <a:normAutofit/>
+          </a:bodyPr>
+          <a:lstStyle/>
+          <a:p>
+            <a:r>
+              <a:rPr lang="en-US" dirty="0" smtClean="0"/>
+              <a:t>YouTube URLs, Last Page</a:t>
+            </a:r>
+            <a:endParaRPr lang="en-US" dirty="0"/>
+          </a:p>
+        </p:txBody>
+      </p:sp>
+      <p:sp>
+        <p:nvSpPr>
+          <p:cNvPr id="7" name="Content Placeholder 6"/>
+          <p:cNvSpPr>
+            <a:spLocks noGrp="1"/>
+          </p:cNvSpPr>
+          <p:nvPr>
+            <p:ph idx="1"/>
+          </p:nvPr>
+        </p:nvSpPr>
+        <p:spPr/>
+        <p:txBody>
+          <a:bodyPr/>
+          <a:lstStyle/>
+          <a:p>
+            <a:r>
+              <a:rPr lang="en-US" dirty="0" smtClean="0"/>
+              <a:t>Two minute (short):</a:t>
+            </a:r>
+          </a:p>
+          <a:p>
+            <a:r>
+              <a:rPr lang="en-US" dirty="0" smtClean="0"/>
+              <a:t>15 minutes (long):</a:t>
+            </a:r>
+            <a:endParaRPr lang="en-US" dirty="0"/>
+          </a:p>
+        </p:txBody>
+      </p:sp>
+      <p:sp>
+        <p:nvSpPr>
+          <p:cNvPr id="4100" name="Footer Placeholder 3"/>
+          <p:cNvSpPr>
+            <a:spLocks noGrp="1"/>
+          </p:cNvSpPr>
+          <p:nvPr>
+            <p:ph type="ftr" sz="quarter" idx="11"/>
+          </p:nvPr>
+        </p:nvSpPr>
+        <p:spPr bwMode="auto">
+          <a:noFill/>
+          <a:extLst>
+            <a:ext uri="{909E8E84-426E-40DD-AFC4-6F175D3DCCD1}">
+              <a14:hiddenFill xmlns:a14="http://schemas.microsoft.com/office/drawing/2010/main">
+                <a:solidFill>
+                  <a:srgbClr val="FFFFFF"/>
+                </a:solidFill>
+              </a14:hiddenFill>
+            </a:ext>
+            <a:ext uri="{91240B29-F687-4F45-9708-019B960494DF}">
+              <a14:hiddenLine xmlns:a14="http://schemas.microsoft.com/office/drawing/2010/main" w="9525">
+                <a:solidFill>
+                  <a:srgbClr val="000000"/>
+                </a:solidFill>
+                <a:miter lim="800000"/>
+                <a:headEnd/>
+                <a:tailEnd/>
+              </a14:hiddenLine>
+            </a:ext>
+          </a:extLst>
+        </p:spPr>
+        <p:txBody>
+          <a:bodyPr/>
+          <a:lstStyle>
+            <a:lvl1pPr eaLnBrk="0" hangingPunct="0">
+              <a:spcBef>
+                <a:spcPct val="20000"/>
+              </a:spcBef>
+              <a:buClr>
+                <a:schemeClr val="hlink"/>
+              </a:buClr>
+              <a:buFont typeface="Wingdings" pitchFamily="2" charset="2"/>
+              <a:buChar char="§"/>
+              <a:defRPr sz="2800">
+                <a:solidFill>
+                  <a:schemeClr val="tx1"/>
+                </a:solidFill>
+                <a:latin typeface="Calibri" pitchFamily="34" charset="0"/>
+              </a:defRPr>
+            </a:lvl1pPr>
+            <a:lvl2pPr marL="742950" indent="-285750" eaLnBrk="0" hangingPunct="0">
+              <a:spcBef>
+                <a:spcPct val="20000"/>
+              </a:spcBef>
+              <a:buClr>
+                <a:srgbClr val="FF0000"/>
+              </a:buClr>
+              <a:buFont typeface="Wingdings" pitchFamily="2" charset="2"/>
+              <a:buChar char="§"/>
+              <a:defRPr sz="2400">
+                <a:solidFill>
+                  <a:schemeClr val="tx1"/>
+                </a:solidFill>
+                <a:latin typeface="Calibri" pitchFamily="34" charset="0"/>
+              </a:defRPr>
+            </a:lvl2pPr>
+            <a:lvl3pPr marL="1143000" indent="-228600" eaLnBrk="0" hangingPunct="0">
+              <a:spcBef>
+                <a:spcPct val="20000"/>
+              </a:spcBef>
+              <a:buClr>
+                <a:srgbClr val="00CC00"/>
+              </a:buClr>
+              <a:buFont typeface="Wingdings" pitchFamily="2" charset="2"/>
+              <a:buChar char="§"/>
+              <a:defRPr sz="2000">
+                <a:solidFill>
+                  <a:schemeClr val="tx1"/>
+                </a:solidFill>
+                <a:latin typeface="Calibri" pitchFamily="34" charset="0"/>
+              </a:defRPr>
+            </a:lvl3pPr>
+            <a:lvl4pPr marL="1600200" indent="-228600" eaLnBrk="0" hangingPunct="0">
+              <a:spcBef>
+                <a:spcPct val="20000"/>
+              </a:spcBef>
+              <a:buFont typeface="Arial" charset="0"/>
+              <a:buChar char="–"/>
+              <a:defRPr sz="2000">
+                <a:solidFill>
+                  <a:schemeClr val="tx1"/>
+                </a:solidFill>
+                <a:latin typeface="Calibri" pitchFamily="34" charset="0"/>
+              </a:defRPr>
+            </a:lvl4pPr>
+            <a:lvl5pPr marL="2057400" indent="-228600" eaLnBrk="0" hangingPunct="0">
+              <a:spcBef>
+                <a:spcPct val="20000"/>
+              </a:spcBef>
+              <a:buFont typeface="Arial" charset="0"/>
+              <a:buChar char="»"/>
+              <a:defRPr sz="2000">
+                <a:solidFill>
+                  <a:schemeClr val="tx1"/>
+                </a:solidFill>
+                <a:latin typeface="Calibri" pitchFamily="34" charset="0"/>
+              </a:defRPr>
+            </a:lvl5pPr>
+            <a:lvl6pPr marL="2514600" indent="-228600" eaLnBrk="0" fontAlgn="base" hangingPunct="0">
+              <a:spcBef>
+                <a:spcPct val="20000"/>
+              </a:spcBef>
+              <a:spcAft>
+                <a:spcPct val="0"/>
+              </a:spcAft>
+              <a:buFont typeface="Arial" charset="0"/>
+              <a:buChar char="»"/>
+              <a:defRPr sz="2000">
+                <a:solidFill>
+                  <a:schemeClr val="tx1"/>
+                </a:solidFill>
+                <a:latin typeface="Calibri" pitchFamily="34" charset="0"/>
+              </a:defRPr>
+            </a:lvl6pPr>
+            <a:lvl7pPr marL="2971800" indent="-228600" eaLnBrk="0" fontAlgn="base" hangingPunct="0">
+              <a:spcBef>
+                <a:spcPct val="20000"/>
+              </a:spcBef>
+              <a:spcAft>
+                <a:spcPct val="0"/>
+              </a:spcAft>
+              <a:buFont typeface="Arial" charset="0"/>
+              <a:buChar char="»"/>
+              <a:defRPr sz="2000">
+                <a:solidFill>
+                  <a:schemeClr val="tx1"/>
+                </a:solidFill>
+                <a:latin typeface="Calibri" pitchFamily="34" charset="0"/>
+              </a:defRPr>
+            </a:lvl7pPr>
+            <a:lvl8pPr marL="3429000" indent="-228600" eaLnBrk="0" fontAlgn="base" hangingPunct="0">
+              <a:spcBef>
+                <a:spcPct val="20000"/>
+              </a:spcBef>
+              <a:spcAft>
+                <a:spcPct val="0"/>
+              </a:spcAft>
+              <a:buFont typeface="Arial" charset="0"/>
+              <a:buChar char="»"/>
+              <a:defRPr sz="2000">
+                <a:solidFill>
+                  <a:schemeClr val="tx1"/>
+                </a:solidFill>
+                <a:latin typeface="Calibri" pitchFamily="34" charset="0"/>
+              </a:defRPr>
+            </a:lvl8pPr>
+            <a:lvl9pPr marL="3886200" indent="-228600" eaLnBrk="0" fontAlgn="base" hangingPunct="0">
+              <a:spcBef>
+                <a:spcPct val="20000"/>
+              </a:spcBef>
+              <a:spcAft>
+                <a:spcPct val="0"/>
+              </a:spcAft>
+              <a:buFont typeface="Arial" charset="0"/>
+              <a:buChar char="»"/>
+              <a:defRPr sz="2000">
+                <a:solidFill>
+                  <a:schemeClr val="tx1"/>
+                </a:solidFill>
+                <a:latin typeface="Calibri" pitchFamily="34" charset="0"/>
+              </a:defRPr>
+            </a:lvl9pPr>
+          </a:lstStyle>
+          <a:p>
+            <a:pPr eaLnBrk="1" hangingPunct="1">
+              <a:spcBef>
+                <a:spcPct val="0"/>
+              </a:spcBef>
+              <a:buClrTx/>
+              <a:buFontTx/>
+              <a:buNone/>
+            </a:pPr>
+            <a:r>
+              <a:rPr lang="en-US" altLang="en-US" sz="1200" dirty="0" smtClean="0">
+                <a:solidFill>
+                  <a:srgbClr val="898989"/>
+                </a:solidFill>
+              </a:rPr>
+              <a:t>Luke Walsh</a:t>
+            </a:r>
+          </a:p>
+        </p:txBody>
+      </p:sp>
+      <p:sp>
+        <p:nvSpPr>
+          <p:cNvPr id="5" name="Slide Number Placeholder 4"/>
+          <p:cNvSpPr>
+            <a:spLocks noGrp="1"/>
+          </p:cNvSpPr>
+          <p:nvPr>
+            <p:ph type="sldNum" sz="quarter" idx="12"/>
+          </p:nvPr>
+        </p:nvSpPr>
+        <p:spPr/>
+        <p:txBody>
+          <a:bodyPr/>
+          <a:lstStyle/>
+          <a:p>
+            <a:pPr>
+              <a:defRPr/>
+            </a:pPr>
+            <a:fld id="{76E1BF35-675D-491F-A687-B2C9BE79DFC7}" type="slidenum">
+              <a:rPr lang="en-US" smtClean="0"/>
+              <a:pPr>
+                <a:defRPr/>
+              </a:pPr>
+              <a:t>17</a:t>
             </a:fld>
             <a:endParaRPr lang="en-US" dirty="0"/>
           </a:p>
@@ -8578,16 +9628,11 @@
               <a:rPr lang="en-US" dirty="0" smtClean="0"/>
               <a:t>Intel® Core™ i5-3337U CPU @ 1.80 GHz</a:t>
             </a:r>
-            <a:endParaRPr lang="en-US" dirty="0" smtClean="0"/>
           </a:p>
           <a:p>
             <a:r>
               <a:rPr lang="en-US" dirty="0" smtClean="0"/>
-              <a:t>Hadoop </a:t>
-            </a:r>
-            <a:r>
-              <a:rPr lang="en-US" dirty="0" smtClean="0"/>
-              <a:t>2.6.0-cdh5.7.0</a:t>
+              <a:t>Hadoop 2.6.0-cdh5.7.0</a:t>
             </a:r>
           </a:p>
           <a:p>
@@ -8603,7 +9648,6 @@
               <a:rPr lang="en-US" dirty="0" smtClean="0"/>
               <a:t>~35 GB disk memory available</a:t>
             </a:r>
-            <a:endParaRPr lang="en-US" dirty="0" smtClean="0"/>
           </a:p>
           <a:p>
             <a:r>
@@ -8632,7 +9676,6 @@
               <a:rPr lang="en-US" dirty="0" smtClean="0"/>
               <a:t>Python version 3.3.3</a:t>
             </a:r>
-            <a:endParaRPr lang="en-US" dirty="0" smtClean="0"/>
           </a:p>
           <a:p>
             <a:r>
@@ -8645,13 +9688,8 @@
             </a:r>
             <a:r>
               <a:rPr lang="en-US" dirty="0" smtClean="0"/>
-              <a:t> </a:t>
-            </a:r>
-            <a:r>
-              <a:rPr lang="en-US" dirty="0" smtClean="0"/>
-              <a:t>library</a:t>
-            </a:r>
-            <a:endParaRPr lang="en-US" dirty="0" smtClean="0"/>
+              <a:t> library</a:t>
+            </a:r>
           </a:p>
           <a:p>
             <a:r>
@@ -9357,11 +10395,7 @@
           <a:p>
             <a:r>
               <a:rPr lang="en-US" dirty="0" smtClean="0"/>
-              <a:t>Training </a:t>
-            </a:r>
-            <a:r>
-              <a:rPr lang="en-US" dirty="0" smtClean="0"/>
-              <a:t>dataset is ~1.5 million Tweets already classified (static)</a:t>
+              <a:t>Training dataset is ~1.5 million Tweets already classified (static)</a:t>
             </a:r>
           </a:p>
           <a:p>
@@ -9595,6 +10629,30 @@
           </a:p>
         </p:txBody>
       </p:sp>
+      <p:pic>
+        <p:nvPicPr>
+          <p:cNvPr id="2" name="Picture 1"/>
+          <p:cNvPicPr>
+            <a:picLocks noChangeAspect="1"/>
+          </p:cNvPicPr>
+          <p:nvPr/>
+        </p:nvPicPr>
+        <p:blipFill>
+          <a:blip r:embed="rId2"/>
+          <a:stretch>
+            <a:fillRect/>
+          </a:stretch>
+        </p:blipFill>
+        <p:spPr>
+          <a:xfrm>
+            <a:off x="685800" y="3810000"/>
+            <a:ext cx="7143750" cy="1857375"/>
+          </a:xfrm>
+          <a:prstGeom prst="rect">
+            <a:avLst/>
+          </a:prstGeom>
+        </p:spPr>
+      </p:pic>
     </p:spTree>
     <p:extLst>
       <p:ext uri="{BB962C8B-B14F-4D97-AF65-F5344CB8AC3E}">
@@ -9690,11 +10748,7 @@
             </a:r>
             <a:r>
               <a:rPr lang="en-US" dirty="0" smtClean="0"/>
-              <a:t> </a:t>
-            </a:r>
-            <a:r>
-              <a:rPr lang="en-US" dirty="0" smtClean="0"/>
-              <a:t>(Python </a:t>
+              <a:t> (Python </a:t>
             </a:r>
             <a:r>
               <a:rPr lang="en-US" dirty="0" err="1" smtClean="0"/>
@@ -9702,11 +10756,7 @@
             </a:r>
             <a:r>
               <a:rPr lang="en-US" dirty="0" smtClean="0"/>
-              <a:t> </a:t>
-            </a:r>
-            <a:r>
-              <a:rPr lang="en-US" dirty="0" smtClean="0"/>
-              <a:t>package) to:</a:t>
+              <a:t> package) to:</a:t>
             </a:r>
           </a:p>
           <a:p>
@@ -9725,7 +10775,15 @@
             </a:r>
             <a:r>
               <a:rPr lang="en-US" dirty="0" smtClean="0"/>
-              <a:t>. ‘not good’ becomes ‘</a:t>
+              <a:t>. ‘not good’ </a:t>
+            </a:r>
+            <a:r>
+              <a:rPr lang="en-US" dirty="0" smtClean="0"/>
+              <a:t>-&gt; ‘good’ becomes </a:t>
+            </a:r>
+            <a:r>
+              <a:rPr lang="en-US" dirty="0" smtClean="0"/>
+              <a:t>‘</a:t>
             </a:r>
             <a:r>
               <a:rPr lang="en-US" dirty="0" err="1" smtClean="0"/>
@@ -9742,7 +10800,6 @@
               <a:rPr lang="en-US" dirty="0" smtClean="0"/>
               <a:t>Even though we’re using unigrams, this allows the model to attempt to distinguish negated words</a:t>
             </a:r>
-            <a:endParaRPr lang="en-US" dirty="0" smtClean="0"/>
           </a:p>
           <a:p>
             <a:pPr lvl="1"/>
@@ -9771,20 +10828,49 @@
             </a:r>
             <a:r>
               <a:rPr lang="en-US" dirty="0" smtClean="0"/>
-              <a:t> so the features of the model aren’t words like ‘the’</a:t>
-            </a:r>
+              <a:t> so the features of the model aren’t words like </a:t>
+            </a:r>
+            <a:r>
+              <a:rPr lang="en-US" dirty="0" smtClean="0"/>
+              <a:t>‘</a:t>
+            </a:r>
+            <a:r>
+              <a:rPr lang="en-US" dirty="0" smtClean="0"/>
+              <a:t>is</a:t>
+            </a:r>
+            <a:r>
+              <a:rPr lang="en-US" dirty="0" smtClean="0"/>
+              <a:t>’</a:t>
+            </a:r>
+            <a:endParaRPr lang="en-US" dirty="0" smtClean="0"/>
           </a:p>
           <a:p>
             <a:pPr lvl="1"/>
             <a:r>
               <a:rPr lang="en-US" dirty="0" smtClean="0"/>
-              <a:t>Extract the top 200 common unigrams to use in the classification model</a:t>
-            </a:r>
-          </a:p>
-          <a:p>
+              <a:t>Extract the top 200 </a:t>
+            </a:r>
             <a:r>
               <a:rPr lang="en-US" dirty="0" smtClean="0"/>
-              <a:t>Train a classifier model -Python </a:t>
+              <a:t>most common </a:t>
+            </a:r>
+            <a:r>
+              <a:rPr lang="en-US" dirty="0" smtClean="0"/>
+              <a:t>unigrams to use in the classification model</a:t>
+            </a:r>
+          </a:p>
+          <a:p>
+            <a:r>
+              <a:rPr lang="en-US" dirty="0" smtClean="0"/>
+              <a:t>Train </a:t>
+            </a:r>
+            <a:r>
+              <a:rPr lang="en-US" dirty="0" smtClean="0"/>
+              <a:t>the </a:t>
+            </a:r>
+            <a:r>
+              <a:rPr lang="en-US" dirty="0" smtClean="0"/>
+              <a:t>classifier model -Python </a:t>
             </a:r>
             <a:r>
               <a:rPr lang="en-US" dirty="0" err="1" smtClean="0"/>
@@ -10053,6 +11139,30 @@
           </a:p>
         </p:txBody>
       </p:sp>
+      <p:pic>
+        <p:nvPicPr>
+          <p:cNvPr id="2" name="Picture 1"/>
+          <p:cNvPicPr>
+            <a:picLocks noChangeAspect="1"/>
+          </p:cNvPicPr>
+          <p:nvPr/>
+        </p:nvPicPr>
+        <p:blipFill>
+          <a:blip r:embed="rId2"/>
+          <a:stretch>
+            <a:fillRect/>
+          </a:stretch>
+        </p:blipFill>
+        <p:spPr>
+          <a:xfrm>
+            <a:off x="838200" y="4114800"/>
+            <a:ext cx="7620000" cy="2002038"/>
+          </a:xfrm>
+          <a:prstGeom prst="rect">
+            <a:avLst/>
+          </a:prstGeom>
+        </p:spPr>
+      </p:pic>
     </p:spTree>
     <p:extLst>
       <p:ext uri="{BB962C8B-B14F-4D97-AF65-F5344CB8AC3E}">
@@ -10140,8 +11250,28 @@
           <a:p>
             <a:r>
               <a:rPr lang="en-US" dirty="0" smtClean="0"/>
-              <a:t>Need to create app on Twitter’s developer webpage and deal with API key’s/secret and user token/secret</a:t>
-            </a:r>
+              <a:t>First c</a:t>
+            </a:r>
+            <a:r>
+              <a:rPr lang="en-US" dirty="0" smtClean="0"/>
+              <a:t>reate </a:t>
+            </a:r>
+            <a:r>
+              <a:rPr lang="en-US" dirty="0" smtClean="0"/>
+              <a:t>app on Twitter’s developer webpage and deal with API key’s/secret and user </a:t>
+            </a:r>
+            <a:r>
+              <a:rPr lang="en-US" dirty="0" smtClean="0"/>
+              <a:t>token/secret</a:t>
+            </a:r>
+          </a:p>
+          <a:p>
+            <a:pPr lvl="1"/>
+            <a:r>
+              <a:rPr lang="en-US" dirty="0" smtClean="0"/>
+              <a:t>Need authentication in order to access the Twitter stream</a:t>
+            </a:r>
+            <a:endParaRPr lang="en-US" dirty="0" smtClean="0"/>
           </a:p>
           <a:p>
             <a:pPr lvl="1"/>
@@ -10192,28 +11322,20 @@
             <a:pPr lvl="1"/>
             <a:r>
               <a:rPr lang="en-US" dirty="0" smtClean="0"/>
-              <a:t>Requests – allows the Spark streaming context make REST calls to the Twitter API</a:t>
-            </a:r>
-          </a:p>
-          <a:p>
+              <a:t>Requests – allows the Spark streaming context make REST calls to the Twitter </a:t>
+            </a:r>
             <a:r>
               <a:rPr lang="en-US" dirty="0" smtClean="0"/>
-              <a:t>Setup Spark streaming context that makes get requests using the above setup</a:t>
+              <a:t>API</a:t>
             </a:r>
           </a:p>
           <a:p>
             <a:pPr lvl="1"/>
-            <a:r>
-              <a:rPr lang="en-US" dirty="0" smtClean="0"/>
-              <a:t>Can specify search term (e.g. ‘Trump’) and get Tweets containing that term</a:t>
-            </a:r>
+            <a:endParaRPr lang="en-US" dirty="0"/>
           </a:p>
           <a:p>
             <a:pPr lvl="1"/>
-            <a:r>
-              <a:rPr lang="en-US" dirty="0" smtClean="0"/>
-              <a:t>Can specify the batch interval for which to make requests (e.g. 30 seconds)</a:t>
-            </a:r>
+            <a:endParaRPr lang="en-US" dirty="0" smtClean="0"/>
           </a:p>
           <a:p>
             <a:pPr lvl="1"/>
@@ -10444,6 +11566,30 @@
           </a:p>
         </p:txBody>
       </p:sp>
+      <p:pic>
+        <p:nvPicPr>
+          <p:cNvPr id="2" name="Picture 1"/>
+          <p:cNvPicPr>
+            <a:picLocks noChangeAspect="1"/>
+          </p:cNvPicPr>
+          <p:nvPr/>
+        </p:nvPicPr>
+        <p:blipFill>
+          <a:blip r:embed="rId3"/>
+          <a:stretch>
+            <a:fillRect/>
+          </a:stretch>
+        </p:blipFill>
+        <p:spPr>
+          <a:xfrm>
+            <a:off x="685800" y="3657600"/>
+            <a:ext cx="8155145" cy="1524000"/>
+          </a:xfrm>
+          <a:prstGeom prst="rect">
+            <a:avLst/>
+          </a:prstGeom>
+        </p:spPr>
+      </p:pic>
     </p:spTree>
     <p:extLst>
       <p:ext uri="{BB962C8B-B14F-4D97-AF65-F5344CB8AC3E}">

--- a/Spark_Streaming_NLTK_LWalsh_15min.pptx
+++ b/Spark_Streaming_NLTK_LWalsh_15min.pptx
@@ -5,10 +5,10 @@
     <p:sldMasterId id="2147483648" r:id="rId1"/>
   </p:sldMasterIdLst>
   <p:notesMasterIdLst>
-    <p:notesMasterId r:id="rId19"/>
+    <p:notesMasterId r:id="rId18"/>
   </p:notesMasterIdLst>
   <p:handoutMasterIdLst>
-    <p:handoutMasterId r:id="rId20"/>
+    <p:handoutMasterId r:id="rId19"/>
   </p:handoutMasterIdLst>
   <p:sldIdLst>
     <p:sldId id="256" r:id="rId2"/>
@@ -25,9 +25,8 @@
     <p:sldId id="432" r:id="rId13"/>
     <p:sldId id="429" r:id="rId14"/>
     <p:sldId id="435" r:id="rId15"/>
-    <p:sldId id="436" r:id="rId16"/>
-    <p:sldId id="430" r:id="rId17"/>
-    <p:sldId id="419" r:id="rId18"/>
+    <p:sldId id="430" r:id="rId16"/>
+    <p:sldId id="419" r:id="rId17"/>
   </p:sldIdLst>
   <p:sldSz cx="9144000" cy="6858000" type="screen4x3"/>
   <p:notesSz cx="6858000" cy="9144000"/>
@@ -5805,83 +5804,51 @@
           <a:lstStyle/>
           <a:p>
             <a:r>
-              <a:rPr lang="en-US" dirty="0" smtClean="0"/>
-              <a:t>Setup </a:t>
-            </a:r>
-            <a:r>
-              <a:rPr lang="en-US" dirty="0" smtClean="0"/>
-              <a:t>Spark streaming context that makes get requests using the above setup</a:t>
-            </a:r>
-          </a:p>
-          <a:p>
-            <a:pPr lvl="1"/>
-            <a:r>
-              <a:rPr lang="en-US" dirty="0" smtClean="0"/>
-              <a:t>Can specify search term (e.g. ‘Trump’) and get Tweets containing that term</a:t>
-            </a:r>
-          </a:p>
-          <a:p>
-            <a:pPr lvl="1"/>
-            <a:r>
-              <a:rPr lang="en-US" dirty="0" smtClean="0"/>
-              <a:t>Can specify the batch interval for which to make requests (e.g. 30 seconds</a:t>
-            </a:r>
-            <a:r>
-              <a:rPr lang="en-US" dirty="0" smtClean="0"/>
-              <a:t>)</a:t>
-            </a:r>
-          </a:p>
-          <a:p>
-            <a:r>
-              <a:rPr lang="en-US" dirty="0" smtClean="0"/>
-              <a:t>Results are returned as </a:t>
-            </a:r>
-            <a:r>
-              <a:rPr lang="en-US" dirty="0" err="1" smtClean="0"/>
-              <a:t>JSON</a:t>
-            </a:r>
-            <a:r>
-              <a:rPr lang="en-US" dirty="0" smtClean="0"/>
-              <a:t> object, so the data needs to be parsed into a usable format</a:t>
-            </a:r>
-          </a:p>
-          <a:p>
-            <a:pPr lvl="1"/>
-            <a:r>
-              <a:rPr lang="en-US" dirty="0" smtClean="0"/>
-              <a:t>For this project we’re interested in the “message” content</a:t>
-            </a:r>
-          </a:p>
-          <a:p>
-            <a:pPr lvl="1"/>
-            <a:r>
-              <a:rPr lang="en-US" dirty="0" smtClean="0"/>
-              <a:t>Other interesting data such as user, location, </a:t>
-            </a:r>
-            <a:r>
-              <a:rPr lang="en-US" dirty="0" err="1" smtClean="0"/>
-              <a:t>etc</a:t>
-            </a:r>
-            <a:r>
-              <a:rPr lang="en-US" dirty="0" smtClean="0"/>
-              <a:t>, also available</a:t>
-            </a:r>
-            <a:endParaRPr lang="en-US" dirty="0" smtClean="0"/>
-          </a:p>
-          <a:p>
-            <a:r>
-              <a:rPr lang="en-US" dirty="0" smtClean="0"/>
-              <a:t>{{insert </a:t>
-            </a:r>
-            <a:r>
-              <a:rPr lang="en-US" dirty="0" err="1" smtClean="0"/>
-              <a:t>JSON</a:t>
-            </a:r>
-            <a:r>
-              <a:rPr lang="en-US" dirty="0" smtClean="0"/>
-              <a:t> response here}}</a:t>
-            </a:r>
-            <a:endParaRPr lang="en-US" dirty="0" smtClean="0"/>
+              <a:rPr lang="en-US" dirty="0"/>
+              <a:t>First create app on Twitter’s developer webpage and deal with API key’s/secret and user token/secret</a:t>
+            </a:r>
+          </a:p>
+          <a:p>
+            <a:r>
+              <a:rPr lang="en-US" dirty="0"/>
+              <a:t>Need authentication in order to access the Twitter stream</a:t>
+            </a:r>
+          </a:p>
+          <a:p>
+            <a:r>
+              <a:rPr lang="en-US" dirty="0"/>
+              <a:t>For more info: https://dev.twitter.com/oauth/overview</a:t>
+            </a:r>
+          </a:p>
+          <a:p>
+            <a:r>
+              <a:rPr lang="en-US" dirty="0"/>
+              <a:t>Use Python’s requests and </a:t>
+            </a:r>
+            <a:r>
+              <a:rPr lang="en-US" dirty="0" err="1"/>
+              <a:t>requests_oauthlib</a:t>
+            </a:r>
+            <a:r>
+              <a:rPr lang="en-US" dirty="0"/>
+              <a:t> packages to setup connection</a:t>
+            </a:r>
+          </a:p>
+          <a:p>
+            <a:r>
+              <a:rPr lang="en-US" dirty="0" err="1"/>
+              <a:t>Requests_oauthlib</a:t>
+            </a:r>
+            <a:r>
+              <a:rPr lang="en-US" dirty="0"/>
+              <a:t> – handles authorization</a:t>
+            </a:r>
+          </a:p>
+          <a:p>
+            <a:r>
+              <a:rPr lang="en-US" dirty="0"/>
+              <a:t>Requests – allows the Spark streaming context make REST calls to the Twitter API</a:t>
+            </a:r>
           </a:p>
           <a:p>
             <a:pPr lvl="1"/>
@@ -6112,6 +6079,30 @@
           </a:p>
         </p:txBody>
       </p:sp>
+      <p:pic>
+        <p:nvPicPr>
+          <p:cNvPr id="2" name="Picture 1"/>
+          <p:cNvPicPr>
+            <a:picLocks noChangeAspect="1"/>
+          </p:cNvPicPr>
+          <p:nvPr/>
+        </p:nvPicPr>
+        <p:blipFill>
+          <a:blip r:embed="rId2"/>
+          <a:stretch>
+            <a:fillRect/>
+          </a:stretch>
+        </p:blipFill>
+        <p:spPr>
+          <a:xfrm>
+            <a:off x="685800" y="3348718"/>
+            <a:ext cx="7990114" cy="2783593"/>
+          </a:xfrm>
+          <a:prstGeom prst="rect">
+            <a:avLst/>
+          </a:prstGeom>
+        </p:spPr>
+      </p:pic>
     </p:spTree>
     <p:extLst>
       <p:ext uri="{BB962C8B-B14F-4D97-AF65-F5344CB8AC3E}">
@@ -6122,6 +6113,13 @@
   <p:clrMapOvr>
     <a:masterClrMapping/>
   </p:clrMapOvr>
+  <p:timing>
+    <p:tnLst>
+      <p:par>
+        <p:cTn id="1" dur="indefinite" restart="never" nodeType="tmRoot"/>
+      </p:par>
+    </p:tnLst>
+  </p:timing>
 </p:sld>
 </file>
 
@@ -6468,6 +6466,13 @@
   <p:clrMapOvr>
     <a:masterClrMapping/>
   </p:clrMapOvr>
+  <p:timing>
+    <p:tnLst>
+      <p:par>
+        <p:cTn id="1" dur="indefinite" restart="never" nodeType="tmRoot"/>
+      </p:par>
+    </p:tnLst>
+  </p:timing>
 </p:sld>
 </file>
 
@@ -6766,6 +6771,13 @@
   <p:clrMapOvr>
     <a:masterClrMapping/>
   </p:clrMapOvr>
+  <p:timing>
+    <p:tnLst>
+      <p:par>
+        <p:cTn id="1" dur="indefinite" restart="never" nodeType="tmRoot"/>
+      </p:par>
+    </p:tnLst>
+  </p:timing>
 </p:sld>
 </file>
 
@@ -7104,6 +7116,13 @@
   <p:clrMapOvr>
     <a:masterClrMapping/>
   </p:clrMapOvr>
+  <p:timing>
+    <p:tnLst>
+      <p:par>
+        <p:cTn id="1" dur="indefinite" restart="never" nodeType="tmRoot"/>
+      </p:par>
+    </p:tnLst>
+  </p:timing>
 </p:sld>
 </file>
 
@@ -7432,6 +7451,13 @@
   <p:clrMapOvr>
     <a:masterClrMapping/>
   </p:clrMapOvr>
+  <p:timing>
+    <p:tnLst>
+      <p:par>
+        <p:cTn id="1" dur="indefinite" restart="never" nodeType="tmRoot"/>
+      </p:par>
+    </p:tnLst>
+  </p:timing>
 </p:sld>
 </file>
 
@@ -7469,11 +7495,26 @@
           </a:bodyPr>
           <a:lstStyle/>
           <a:p>
-            <a:r>
-              <a:rPr lang="en-US" dirty="0" smtClean="0"/>
-              <a:t>Other Example</a:t>
-            </a:r>
-            <a:endParaRPr lang="en-US" dirty="0"/>
+            <a:pPr marL="457200" lvl="1"/>
+            <a:r>
+              <a:rPr lang="en-US" sz="3200" kern="1200" dirty="0" smtClean="0">
+                <a:solidFill>
+                  <a:srgbClr val="0070C0"/>
+                </a:solidFill>
+                <a:latin typeface="+mj-lt"/>
+                <a:ea typeface="+mj-ea"/>
+                <a:cs typeface="+mj-cs"/>
+              </a:rPr>
+              <a:t>Pros vs. Cons</a:t>
+            </a:r>
+            <a:endParaRPr lang="en-US" sz="3200" kern="1200" dirty="0">
+              <a:solidFill>
+                <a:srgbClr val="0070C0"/>
+              </a:solidFill>
+              <a:latin typeface="+mj-lt"/>
+              <a:ea typeface="+mj-ea"/>
+              <a:cs typeface="+mj-cs"/>
+            </a:endParaRPr>
           </a:p>
         </p:txBody>
       </p:sp>
@@ -7492,14 +7533,98 @@
           <a:bodyPr/>
           <a:lstStyle/>
           <a:p>
-            <a:pPr marL="457200" lvl="1" indent="0">
-              <a:buNone/>
-            </a:pPr>
-            <a:endParaRPr lang="en-US" dirty="0" smtClean="0"/>
+            <a:r>
+              <a:rPr lang="en-US" dirty="0" smtClean="0"/>
+              <a:t>Pros:</a:t>
+            </a:r>
           </a:p>
           <a:p>
             <a:pPr lvl="1"/>
-            <a:endParaRPr lang="en-US" dirty="0" smtClean="0"/>
+            <a:r>
+              <a:rPr lang="en-US" dirty="0" smtClean="0"/>
+              <a:t>Spark has very fast batch processing compared to something like Hadoop due to in memory computations</a:t>
+            </a:r>
+          </a:p>
+          <a:p>
+            <a:pPr lvl="1"/>
+            <a:r>
+              <a:rPr lang="en-US" dirty="0" smtClean="0"/>
+              <a:t>Spark is well suited for streaming applications and is scalable</a:t>
+            </a:r>
+          </a:p>
+          <a:p>
+            <a:pPr lvl="1"/>
+            <a:r>
+              <a:rPr lang="en-US" dirty="0" smtClean="0"/>
+              <a:t>Python </a:t>
+            </a:r>
+            <a:r>
+              <a:rPr lang="en-US" dirty="0" err="1" smtClean="0"/>
+              <a:t>NLTK</a:t>
+            </a:r>
+            <a:r>
+              <a:rPr lang="en-US" dirty="0" smtClean="0"/>
+              <a:t> library has many built-in tools to assist in NLP</a:t>
+            </a:r>
+          </a:p>
+          <a:p>
+            <a:pPr lvl="1"/>
+            <a:r>
+              <a:rPr lang="en-US" dirty="0" smtClean="0"/>
+              <a:t>Overall, </a:t>
+            </a:r>
+            <a:r>
+              <a:rPr lang="en-US" dirty="0" err="1" smtClean="0"/>
+              <a:t>PySpark</a:t>
+            </a:r>
+            <a:r>
+              <a:rPr lang="en-US" dirty="0" smtClean="0"/>
+              <a:t> Streaming and </a:t>
+            </a:r>
+            <a:r>
+              <a:rPr lang="en-US" dirty="0" err="1" smtClean="0"/>
+              <a:t>NLTK</a:t>
+            </a:r>
+            <a:r>
+              <a:rPr lang="en-US" dirty="0" smtClean="0"/>
+              <a:t> are very useful</a:t>
+            </a:r>
+            <a:endParaRPr lang="en-US" dirty="0"/>
+          </a:p>
+          <a:p>
+            <a:r>
+              <a:rPr lang="en-US" dirty="0" smtClean="0"/>
+              <a:t>Cons:</a:t>
+            </a:r>
+          </a:p>
+          <a:p>
+            <a:pPr lvl="1"/>
+            <a:r>
+              <a:rPr lang="en-US" dirty="0" smtClean="0"/>
+              <a:t>No major cons from this demo project, but online research raised a few possibilities:</a:t>
+            </a:r>
+          </a:p>
+          <a:p>
+            <a:pPr lvl="2"/>
+            <a:r>
+              <a:rPr lang="en-US" dirty="0" smtClean="0"/>
+              <a:t>Python has useful tools but there are some things that are better handled or can only be done in Scala or Java, such as certain </a:t>
+            </a:r>
+            <a:r>
+              <a:rPr lang="en-US" dirty="0" err="1" smtClean="0"/>
+              <a:t>RDD</a:t>
+            </a:r>
+            <a:r>
+              <a:rPr lang="en-US" dirty="0" smtClean="0"/>
+              <a:t> operations</a:t>
+            </a:r>
+          </a:p>
+          <a:p>
+            <a:pPr lvl="2"/>
+            <a:r>
+              <a:rPr lang="en-US" dirty="0" smtClean="0"/>
+              <a:t>Scala and Java may potentially perform faster than Python. May depend on the application.</a:t>
+            </a:r>
           </a:p>
         </p:txBody>
       </p:sp>
@@ -7729,13 +7854,20 @@
     </p:spTree>
     <p:extLst>
       <p:ext uri="{BB962C8B-B14F-4D97-AF65-F5344CB8AC3E}">
-        <p14:creationId xmlns:p14="http://schemas.microsoft.com/office/powerpoint/2010/main" val="104107395"/>
+        <p14:creationId xmlns:p14="http://schemas.microsoft.com/office/powerpoint/2010/main" val="358822978"/>
       </p:ext>
     </p:extLst>
   </p:cSld>
   <p:clrMapOvr>
     <a:masterClrMapping/>
   </p:clrMapOvr>
+  <p:timing>
+    <p:tnLst>
+      <p:par>
+        <p:cTn id="1" dur="indefinite" restart="never" nodeType="tmRoot"/>
+      </p:par>
+    </p:tnLst>
+  </p:timing>
 </p:sld>
 </file>
 
@@ -7773,26 +7905,11 @@
           </a:bodyPr>
           <a:lstStyle/>
           <a:p>
-            <a:pPr marL="457200" lvl="1"/>
-            <a:r>
-              <a:rPr lang="en-US" sz="3200" kern="1200" dirty="0" smtClean="0">
-                <a:solidFill>
-                  <a:srgbClr val="0070C0"/>
-                </a:solidFill>
-                <a:latin typeface="+mj-lt"/>
-                <a:ea typeface="+mj-ea"/>
-                <a:cs typeface="+mj-cs"/>
-              </a:rPr>
-              <a:t>Pros vs. Cons</a:t>
-            </a:r>
-            <a:endParaRPr lang="en-US" sz="3200" kern="1200" dirty="0">
-              <a:solidFill>
-                <a:srgbClr val="0070C0"/>
-              </a:solidFill>
-              <a:latin typeface="+mj-lt"/>
-              <a:ea typeface="+mj-ea"/>
-              <a:cs typeface="+mj-cs"/>
-            </a:endParaRPr>
+            <a:r>
+              <a:rPr lang="en-US" dirty="0" smtClean="0"/>
+              <a:t>YouTube URLs, Last Page</a:t>
+            </a:r>
+            <a:endParaRPr lang="en-US" dirty="0"/>
           </a:p>
         </p:txBody>
       </p:sp>
@@ -7813,101 +7930,54 @@
           <a:p>
             <a:r>
               <a:rPr lang="en-US" dirty="0" smtClean="0"/>
-              <a:t>Pros:</a:t>
-            </a:r>
-          </a:p>
-          <a:p>
-            <a:pPr lvl="1"/>
+              <a:t>Two minute (short): </a:t>
+            </a:r>
+            <a:r>
+              <a:rPr lang="en-US" dirty="0">
+                <a:hlinkClick r:id="rId2"/>
+              </a:rPr>
+              <a:t>https://youtu.be/_</a:t>
+            </a:r>
+            <a:r>
+              <a:rPr lang="en-US" dirty="0" smtClean="0">
+                <a:hlinkClick r:id="rId2"/>
+              </a:rPr>
+              <a:t>DY7L50deqo</a:t>
+            </a:r>
             <a:r>
               <a:rPr lang="en-US" dirty="0" smtClean="0"/>
-              <a:t>Spark has very fast batch processing compared to something like Hadoop due to in memory computations</a:t>
-            </a:r>
-          </a:p>
-          <a:p>
-            <a:pPr lvl="1"/>
+              <a:t> </a:t>
+            </a:r>
+            <a:endParaRPr lang="en-US" dirty="0" smtClean="0"/>
+          </a:p>
+          <a:p>
             <a:r>
               <a:rPr lang="en-US" dirty="0" smtClean="0"/>
-              <a:t>Spark is well suited for streaming applications and is scalable</a:t>
-            </a:r>
-          </a:p>
-          <a:p>
-            <a:pPr lvl="1"/>
-            <a:r>
-              <a:rPr lang="en-US" dirty="0" smtClean="0"/>
-              <a:t>Python </a:t>
-            </a:r>
-            <a:r>
-              <a:rPr lang="en-US" dirty="0" err="1" smtClean="0"/>
-              <a:t>NLTK</a:t>
-            </a:r>
-            <a:r>
-              <a:rPr lang="en-US" dirty="0" smtClean="0"/>
-              <a:t> library has many built-in tools to assist in NLP</a:t>
-            </a:r>
-          </a:p>
-          <a:p>
-            <a:pPr lvl="1"/>
-            <a:r>
-              <a:rPr lang="en-US" dirty="0" smtClean="0"/>
-              <a:t>Overall, </a:t>
-            </a:r>
-            <a:r>
-              <a:rPr lang="en-US" dirty="0" err="1" smtClean="0"/>
-              <a:t>PySpark</a:t>
-            </a:r>
-            <a:r>
-              <a:rPr lang="en-US" dirty="0" smtClean="0"/>
-              <a:t> Streaming and </a:t>
-            </a:r>
-            <a:r>
-              <a:rPr lang="en-US" dirty="0" err="1" smtClean="0"/>
-              <a:t>NLTK</a:t>
-            </a:r>
-            <a:r>
-              <a:rPr lang="en-US" dirty="0" smtClean="0"/>
-              <a:t> are very useful</a:t>
+              <a:t>15 minutes (long): </a:t>
+            </a:r>
+            <a:r>
+              <a:rPr lang="en-US" dirty="0">
+                <a:hlinkClick r:id="rId3"/>
+              </a:rPr>
+              <a:t>https</a:t>
+            </a:r>
+            <a:r>
+              <a:rPr lang="en-US">
+                <a:hlinkClick r:id="rId3"/>
+              </a:rPr>
+              <a:t>://</a:t>
+            </a:r>
+            <a:r>
+              <a:rPr lang="en-US" smtClean="0">
+                <a:hlinkClick r:id="rId3"/>
+              </a:rPr>
+              <a:t>youtu.be/ARP5q4LiMSc</a:t>
+            </a:r>
+            <a:r>
+              <a:rPr lang="en-US" smtClean="0"/>
+              <a:t> </a:t>
             </a:r>
             <a:endParaRPr lang="en-US" dirty="0"/>
-          </a:p>
-          <a:p>
-            <a:r>
-              <a:rPr lang="en-US" dirty="0" smtClean="0"/>
-              <a:t>Cons:</a:t>
-            </a:r>
-          </a:p>
-          <a:p>
-            <a:pPr lvl="1"/>
-            <a:r>
-              <a:rPr lang="en-US" dirty="0" smtClean="0"/>
-              <a:t>No major cons from this demo project, but online research raised a few possibilities:</a:t>
-            </a:r>
-          </a:p>
-          <a:p>
-            <a:pPr lvl="2"/>
-            <a:r>
-              <a:rPr lang="en-US" dirty="0" smtClean="0"/>
-              <a:t>Python has useful tools but there are some things that are better handled or can only be done in Scala or Java, such as certain </a:t>
-            </a:r>
-            <a:r>
-              <a:rPr lang="en-US" dirty="0" err="1" smtClean="0"/>
-              <a:t>RDD</a:t>
-            </a:r>
-            <a:r>
-              <a:rPr lang="en-US" dirty="0" smtClean="0"/>
-              <a:t> operations</a:t>
-            </a:r>
-          </a:p>
-          <a:p>
-            <a:pPr lvl="2"/>
-            <a:r>
-              <a:rPr lang="en-US" dirty="0" smtClean="0"/>
-              <a:t>Scala and Java may potentially perform faster than Python. May depend on the </a:t>
-            </a:r>
-            <a:r>
-              <a:rPr lang="en-US" dirty="0" smtClean="0"/>
-              <a:t>application.</a:t>
-            </a:r>
-            <a:endParaRPr lang="en-US" dirty="0" smtClean="0"/>
           </a:p>
         </p:txBody>
       </p:sp>
@@ -8135,317 +8205,17 @@
         </p:txBody>
       </p:sp>
     </p:spTree>
-    <p:extLst>
-      <p:ext uri="{BB962C8B-B14F-4D97-AF65-F5344CB8AC3E}">
-        <p14:creationId xmlns:p14="http://schemas.microsoft.com/office/powerpoint/2010/main" val="358822978"/>
-      </p:ext>
-    </p:extLst>
   </p:cSld>
   <p:clrMapOvr>
     <a:masterClrMapping/>
   </p:clrMapOvr>
-</p:sld>
-</file>
-
-<file path=ppt/slides/slide17.xml><?xml version="1.0" encoding="utf-8"?>
-<p:sld xmlns:a="http://schemas.openxmlformats.org/drawingml/2006/main" xmlns:r="http://schemas.openxmlformats.org/officeDocument/2006/relationships" xmlns:p="http://schemas.openxmlformats.org/presentationml/2006/main">
-  <p:cSld>
-    <p:spTree>
-      <p:nvGrpSpPr>
-        <p:cNvPr id="1" name=""/>
-        <p:cNvGrpSpPr/>
-        <p:nvPr/>
-      </p:nvGrpSpPr>
-      <p:grpSpPr>
-        <a:xfrm>
-          <a:off x="0" y="0"/>
-          <a:ext cx="0" cy="0"/>
-          <a:chOff x="0" y="0"/>
-          <a:chExt cx="0" cy="0"/>
-        </a:xfrm>
-      </p:grpSpPr>
-      <p:sp>
-        <p:nvSpPr>
-          <p:cNvPr id="6" name="Title 5"/>
-          <p:cNvSpPr>
-            <a:spLocks noGrp="1"/>
-          </p:cNvSpPr>
-          <p:nvPr>
-            <p:ph type="title"/>
-          </p:nvPr>
-        </p:nvSpPr>
-        <p:spPr/>
-        <p:txBody>
-          <a:bodyPr>
-            <a:normAutofit/>
-          </a:bodyPr>
-          <a:lstStyle/>
-          <a:p>
-            <a:r>
-              <a:rPr lang="en-US" dirty="0" smtClean="0"/>
-              <a:t>YouTube URLs, Last Page</a:t>
-            </a:r>
-            <a:endParaRPr lang="en-US" dirty="0"/>
-          </a:p>
-        </p:txBody>
-      </p:sp>
-      <p:sp>
-        <p:nvSpPr>
-          <p:cNvPr id="7" name="Content Placeholder 6"/>
-          <p:cNvSpPr>
-            <a:spLocks noGrp="1"/>
-          </p:cNvSpPr>
-          <p:nvPr>
-            <p:ph idx="1"/>
-          </p:nvPr>
-        </p:nvSpPr>
-        <p:spPr/>
-        <p:txBody>
-          <a:bodyPr/>
-          <a:lstStyle/>
-          <a:p>
-            <a:r>
-              <a:rPr lang="en-US" dirty="0" smtClean="0"/>
-              <a:t>Two minute (short):</a:t>
-            </a:r>
-          </a:p>
-          <a:p>
-            <a:r>
-              <a:rPr lang="en-US" dirty="0" smtClean="0"/>
-              <a:t>15 minutes (long):</a:t>
-            </a:r>
-            <a:endParaRPr lang="en-US" dirty="0"/>
-          </a:p>
-        </p:txBody>
-      </p:sp>
-      <p:sp>
-        <p:nvSpPr>
-          <p:cNvPr id="4100" name="Footer Placeholder 3"/>
-          <p:cNvSpPr>
-            <a:spLocks noGrp="1"/>
-          </p:cNvSpPr>
-          <p:nvPr>
-            <p:ph type="ftr" sz="quarter" idx="11"/>
-          </p:nvPr>
-        </p:nvSpPr>
-        <p:spPr bwMode="auto">
-          <a:noFill/>
-          <a:extLst>
-            <a:ext uri="{909E8E84-426E-40DD-AFC4-6F175D3DCCD1}">
-              <a14:hiddenFill xmlns:a14="http://schemas.microsoft.com/office/drawing/2010/main">
-                <a:solidFill>
-                  <a:srgbClr val="FFFFFF"/>
-                </a:solidFill>
-              </a14:hiddenFill>
-            </a:ext>
-            <a:ext uri="{91240B29-F687-4F45-9708-019B960494DF}">
-              <a14:hiddenLine xmlns:a14="http://schemas.microsoft.com/office/drawing/2010/main" w="9525">
-                <a:solidFill>
-                  <a:srgbClr val="000000"/>
-                </a:solidFill>
-                <a:miter lim="800000"/>
-                <a:headEnd/>
-                <a:tailEnd/>
-              </a14:hiddenLine>
-            </a:ext>
-          </a:extLst>
-        </p:spPr>
-        <p:txBody>
-          <a:bodyPr/>
-          <a:lstStyle>
-            <a:lvl1pPr eaLnBrk="0" hangingPunct="0">
-              <a:spcBef>
-                <a:spcPct val="20000"/>
-              </a:spcBef>
-              <a:buClr>
-                <a:schemeClr val="hlink"/>
-              </a:buClr>
-              <a:buFont typeface="Wingdings" pitchFamily="2" charset="2"/>
-              <a:buChar char="§"/>
-              <a:defRPr sz="2800">
-                <a:solidFill>
-                  <a:schemeClr val="tx1"/>
-                </a:solidFill>
-                <a:latin typeface="Calibri" pitchFamily="34" charset="0"/>
-              </a:defRPr>
-            </a:lvl1pPr>
-            <a:lvl2pPr marL="742950" indent="-285750" eaLnBrk="0" hangingPunct="0">
-              <a:spcBef>
-                <a:spcPct val="20000"/>
-              </a:spcBef>
-              <a:buClr>
-                <a:srgbClr val="FF0000"/>
-              </a:buClr>
-              <a:buFont typeface="Wingdings" pitchFamily="2" charset="2"/>
-              <a:buChar char="§"/>
-              <a:defRPr sz="2400">
-                <a:solidFill>
-                  <a:schemeClr val="tx1"/>
-                </a:solidFill>
-                <a:latin typeface="Calibri" pitchFamily="34" charset="0"/>
-              </a:defRPr>
-            </a:lvl2pPr>
-            <a:lvl3pPr marL="1143000" indent="-228600" eaLnBrk="0" hangingPunct="0">
-              <a:spcBef>
-                <a:spcPct val="20000"/>
-              </a:spcBef>
-              <a:buClr>
-                <a:srgbClr val="00CC00"/>
-              </a:buClr>
-              <a:buFont typeface="Wingdings" pitchFamily="2" charset="2"/>
-              <a:buChar char="§"/>
-              <a:defRPr sz="2000">
-                <a:solidFill>
-                  <a:schemeClr val="tx1"/>
-                </a:solidFill>
-                <a:latin typeface="Calibri" pitchFamily="34" charset="0"/>
-              </a:defRPr>
-            </a:lvl3pPr>
-            <a:lvl4pPr marL="1600200" indent="-228600" eaLnBrk="0" hangingPunct="0">
-              <a:spcBef>
-                <a:spcPct val="20000"/>
-              </a:spcBef>
-              <a:buFont typeface="Arial" charset="0"/>
-              <a:buChar char="–"/>
-              <a:defRPr sz="2000">
-                <a:solidFill>
-                  <a:schemeClr val="tx1"/>
-                </a:solidFill>
-                <a:latin typeface="Calibri" pitchFamily="34" charset="0"/>
-              </a:defRPr>
-            </a:lvl4pPr>
-            <a:lvl5pPr marL="2057400" indent="-228600" eaLnBrk="0" hangingPunct="0">
-              <a:spcBef>
-                <a:spcPct val="20000"/>
-              </a:spcBef>
-              <a:buFont typeface="Arial" charset="0"/>
-              <a:buChar char="»"/>
-              <a:defRPr sz="2000">
-                <a:solidFill>
-                  <a:schemeClr val="tx1"/>
-                </a:solidFill>
-                <a:latin typeface="Calibri" pitchFamily="34" charset="0"/>
-              </a:defRPr>
-            </a:lvl5pPr>
-            <a:lvl6pPr marL="2514600" indent="-228600" eaLnBrk="0" fontAlgn="base" hangingPunct="0">
-              <a:spcBef>
-                <a:spcPct val="20000"/>
-              </a:spcBef>
-              <a:spcAft>
-                <a:spcPct val="0"/>
-              </a:spcAft>
-              <a:buFont typeface="Arial" charset="0"/>
-              <a:buChar char="»"/>
-              <a:defRPr sz="2000">
-                <a:solidFill>
-                  <a:schemeClr val="tx1"/>
-                </a:solidFill>
-                <a:latin typeface="Calibri" pitchFamily="34" charset="0"/>
-              </a:defRPr>
-            </a:lvl6pPr>
-            <a:lvl7pPr marL="2971800" indent="-228600" eaLnBrk="0" fontAlgn="base" hangingPunct="0">
-              <a:spcBef>
-                <a:spcPct val="20000"/>
-              </a:spcBef>
-              <a:spcAft>
-                <a:spcPct val="0"/>
-              </a:spcAft>
-              <a:buFont typeface="Arial" charset="0"/>
-              <a:buChar char="»"/>
-              <a:defRPr sz="2000">
-                <a:solidFill>
-                  <a:schemeClr val="tx1"/>
-                </a:solidFill>
-                <a:latin typeface="Calibri" pitchFamily="34" charset="0"/>
-              </a:defRPr>
-            </a:lvl7pPr>
-            <a:lvl8pPr marL="3429000" indent="-228600" eaLnBrk="0" fontAlgn="base" hangingPunct="0">
-              <a:spcBef>
-                <a:spcPct val="20000"/>
-              </a:spcBef>
-              <a:spcAft>
-                <a:spcPct val="0"/>
-              </a:spcAft>
-              <a:buFont typeface="Arial" charset="0"/>
-              <a:buChar char="»"/>
-              <a:defRPr sz="2000">
-                <a:solidFill>
-                  <a:schemeClr val="tx1"/>
-                </a:solidFill>
-                <a:latin typeface="Calibri" pitchFamily="34" charset="0"/>
-              </a:defRPr>
-            </a:lvl8pPr>
-            <a:lvl9pPr marL="3886200" indent="-228600" eaLnBrk="0" fontAlgn="base" hangingPunct="0">
-              <a:spcBef>
-                <a:spcPct val="20000"/>
-              </a:spcBef>
-              <a:spcAft>
-                <a:spcPct val="0"/>
-              </a:spcAft>
-              <a:buFont typeface="Arial" charset="0"/>
-              <a:buChar char="»"/>
-              <a:defRPr sz="2000">
-                <a:solidFill>
-                  <a:schemeClr val="tx1"/>
-                </a:solidFill>
-                <a:latin typeface="Calibri" pitchFamily="34" charset="0"/>
-              </a:defRPr>
-            </a:lvl9pPr>
-          </a:lstStyle>
-          <a:p>
-            <a:pPr eaLnBrk="1" hangingPunct="1">
-              <a:spcBef>
-                <a:spcPct val="0"/>
-              </a:spcBef>
-              <a:buClrTx/>
-              <a:buFontTx/>
-              <a:buNone/>
-            </a:pPr>
-            <a:r>
-              <a:rPr lang="en-US" altLang="en-US" sz="1200" dirty="0" smtClean="0">
-                <a:solidFill>
-                  <a:srgbClr val="898989"/>
-                </a:solidFill>
-              </a:rPr>
-              <a:t>Luke Walsh</a:t>
-            </a:r>
-          </a:p>
-        </p:txBody>
-      </p:sp>
-      <p:sp>
-        <p:nvSpPr>
-          <p:cNvPr id="5" name="Slide Number Placeholder 4"/>
-          <p:cNvSpPr>
-            <a:spLocks noGrp="1"/>
-          </p:cNvSpPr>
-          <p:nvPr>
-            <p:ph type="sldNum" sz="quarter" idx="12"/>
-          </p:nvPr>
-        </p:nvSpPr>
-        <p:spPr/>
-        <p:txBody>
-          <a:bodyPr/>
-          <a:lstStyle/>
-          <a:p>
-            <a:pPr>
-              <a:defRPr/>
-            </a:pPr>
-            <a:fld id="{76E1BF35-675D-491F-A687-B2C9BE79DFC7}" type="slidenum">
-              <a:rPr lang="en-US" smtClean="0"/>
-              <a:pPr>
-                <a:defRPr/>
-              </a:pPr>
-              <a:t>17</a:t>
-            </a:fld>
-            <a:endParaRPr lang="en-US" dirty="0"/>
-          </a:p>
-        </p:txBody>
-      </p:sp>
-    </p:spTree>
-  </p:cSld>
-  <p:clrMapOvr>
-    <a:masterClrMapping/>
-  </p:clrMapOvr>
+  <p:timing>
+    <p:tnLst>
+      <p:par>
+        <p:cTn id="1" dur="indefinite" restart="never" nodeType="tmRoot"/>
+      </p:par>
+    </p:tnLst>
+  </p:timing>
 </p:sld>
 </file>
 
@@ -8886,6 +8656,13 @@
   <p:clrMapOvr>
     <a:masterClrMapping/>
   </p:clrMapOvr>
+  <p:timing>
+    <p:tnLst>
+      <p:par>
+        <p:cTn id="1" dur="indefinite" restart="never" nodeType="tmRoot"/>
+      </p:par>
+    </p:tnLst>
+  </p:timing>
 </p:sld>
 </file>
 
@@ -9214,6 +8991,13 @@
   <p:clrMapOvr>
     <a:masterClrMapping/>
   </p:clrMapOvr>
+  <p:timing>
+    <p:tnLst>
+      <p:par>
+        <p:cTn id="1" dur="indefinite" restart="never" nodeType="tmRoot"/>
+      </p:par>
+    </p:tnLst>
+  </p:timing>
 </p:sld>
 </file>
 
@@ -9542,6 +9326,13 @@
   <p:clrMapOvr>
     <a:masterClrMapping/>
   </p:clrMapOvr>
+  <p:timing>
+    <p:tnLst>
+      <p:par>
+        <p:cTn id="1" dur="indefinite" restart="never" nodeType="tmRoot"/>
+      </p:par>
+    </p:tnLst>
+  </p:timing>
 </p:sld>
 </file>
 
@@ -9936,6 +9727,13 @@
   <p:clrMapOvr>
     <a:masterClrMapping/>
   </p:clrMapOvr>
+  <p:timing>
+    <p:tnLst>
+      <p:par>
+        <p:cTn id="1" dur="indefinite" restart="never" nodeType="tmRoot"/>
+      </p:par>
+    </p:tnLst>
+  </p:timing>
 </p:sld>
 </file>
 
@@ -10277,6 +10075,13 @@
   <p:clrMapOvr>
     <a:masterClrMapping/>
   </p:clrMapOvr>
+  <p:timing>
+    <p:tnLst>
+      <p:par>
+        <p:cTn id="1" dur="indefinite" restart="never" nodeType="tmRoot"/>
+      </p:par>
+    </p:tnLst>
+  </p:timing>
 </p:sld>
 </file>
 
@@ -10663,6 +10468,13 @@
   <p:clrMapOvr>
     <a:masterClrMapping/>
   </p:clrMapOvr>
+  <p:timing>
+    <p:tnLst>
+      <p:par>
+        <p:cTn id="1" dur="indefinite" restart="never" nodeType="tmRoot"/>
+      </p:par>
+    </p:tnLst>
+  </p:timing>
 </p:sld>
 </file>
 
@@ -10775,15 +10587,7 @@
             </a:r>
             <a:r>
               <a:rPr lang="en-US" dirty="0" smtClean="0"/>
-              <a:t>. ‘not good’ </a:t>
-            </a:r>
-            <a:r>
-              <a:rPr lang="en-US" dirty="0" smtClean="0"/>
-              <a:t>-&gt; ‘good’ becomes </a:t>
-            </a:r>
-            <a:r>
-              <a:rPr lang="en-US" dirty="0" smtClean="0"/>
-              <a:t>‘</a:t>
+              <a:t>. ‘not good’ -&gt; ‘good’ becomes ‘</a:t>
             </a:r>
             <a:r>
               <a:rPr lang="en-US" dirty="0" err="1" smtClean="0"/>
@@ -10828,49 +10632,20 @@
             </a:r>
             <a:r>
               <a:rPr lang="en-US" dirty="0" smtClean="0"/>
-              <a:t> so the features of the model aren’t words like </a:t>
-            </a:r>
+              <a:t> so the features of the model aren’t words like ‘is’</a:t>
+            </a:r>
+          </a:p>
+          <a:p>
+            <a:pPr lvl="1"/>
             <a:r>
               <a:rPr lang="en-US" dirty="0" smtClean="0"/>
-              <a:t>‘</a:t>
-            </a:r>
+              <a:t>Extract the top 200 most common unigrams to use in the classification model</a:t>
+            </a:r>
+          </a:p>
+          <a:p>
             <a:r>
               <a:rPr lang="en-US" dirty="0" smtClean="0"/>
-              <a:t>is</a:t>
-            </a:r>
-            <a:r>
-              <a:rPr lang="en-US" dirty="0" smtClean="0"/>
-              <a:t>’</a:t>
-            </a:r>
-            <a:endParaRPr lang="en-US" dirty="0" smtClean="0"/>
-          </a:p>
-          <a:p>
-            <a:pPr lvl="1"/>
-            <a:r>
-              <a:rPr lang="en-US" dirty="0" smtClean="0"/>
-              <a:t>Extract the top 200 </a:t>
-            </a:r>
-            <a:r>
-              <a:rPr lang="en-US" dirty="0" smtClean="0"/>
-              <a:t>most common </a:t>
-            </a:r>
-            <a:r>
-              <a:rPr lang="en-US" dirty="0" smtClean="0"/>
-              <a:t>unigrams to use in the classification model</a:t>
-            </a:r>
-          </a:p>
-          <a:p>
-            <a:r>
-              <a:rPr lang="en-US" dirty="0" smtClean="0"/>
-              <a:t>Train </a:t>
-            </a:r>
-            <a:r>
-              <a:rPr lang="en-US" dirty="0" smtClean="0"/>
-              <a:t>the </a:t>
-            </a:r>
-            <a:r>
-              <a:rPr lang="en-US" dirty="0" smtClean="0"/>
-              <a:t>classifier model -Python </a:t>
+              <a:t>Train the classifier model -Python </a:t>
             </a:r>
             <a:r>
               <a:rPr lang="en-US" dirty="0" err="1" smtClean="0"/>
@@ -10899,15 +10674,15 @@
             <a:pPr lvl="1"/>
             <a:r>
               <a:rPr lang="en-US" dirty="0"/>
-              <a:t>test_sentence1 = [(['this', 'program', 'is', '</a:t>
-            </a:r>
-            <a:r>
-              <a:rPr lang="en-US" dirty="0" err="1"/>
-              <a:t>good_NEG</a:t>
+              <a:t>test_sentence1 = [(['this', 'program', 'is', </a:t>
+            </a:r>
+            <a:r>
+              <a:rPr lang="en-US" dirty="0" smtClean="0"/>
+              <a:t>‘bad'], </a:t>
             </a:r>
             <a:r>
               <a:rPr lang="en-US" dirty="0"/>
-              <a:t>'], '')]</a:t>
+              <a:t>'')]</a:t>
             </a:r>
             <a:endParaRPr lang="en-US" dirty="0" smtClean="0"/>
           </a:p>
@@ -11173,6 +10948,13 @@
   <p:clrMapOvr>
     <a:masterClrMapping/>
   </p:clrMapOvr>
+  <p:timing>
+    <p:tnLst>
+      <p:par>
+        <p:cTn id="1" dur="indefinite" restart="never" nodeType="tmRoot"/>
+      </p:par>
+    </p:tnLst>
+  </p:timing>
 </p:sld>
 </file>
 
@@ -11250,19 +11032,7 @@
           <a:p>
             <a:r>
               <a:rPr lang="en-US" dirty="0" smtClean="0"/>
-              <a:t>First c</a:t>
-            </a:r>
-            <a:r>
-              <a:rPr lang="en-US" dirty="0" smtClean="0"/>
-              <a:t>reate </a:t>
-            </a:r>
-            <a:r>
-              <a:rPr lang="en-US" dirty="0" smtClean="0"/>
-              <a:t>app on Twitter’s developer webpage and deal with API key’s/secret and user </a:t>
-            </a:r>
-            <a:r>
-              <a:rPr lang="en-US" dirty="0" smtClean="0"/>
-              <a:t>token/secret</a:t>
+              <a:t>First create app on Twitter’s developer webpage and deal with API key’s/secret and user token/secret</a:t>
             </a:r>
           </a:p>
           <a:p>
@@ -11271,7 +11041,6 @@
               <a:rPr lang="en-US" dirty="0" smtClean="0"/>
               <a:t>Need authentication in order to access the Twitter stream</a:t>
             </a:r>
-            <a:endParaRPr lang="en-US" dirty="0" smtClean="0"/>
           </a:p>
           <a:p>
             <a:pPr lvl="1"/>
@@ -11322,11 +11091,7 @@
             <a:pPr lvl="1"/>
             <a:r>
               <a:rPr lang="en-US" dirty="0" smtClean="0"/>
-              <a:t>Requests – allows the Spark streaming context make REST calls to the Twitter </a:t>
-            </a:r>
-            <a:r>
-              <a:rPr lang="en-US" dirty="0" smtClean="0"/>
-              <a:t>API</a:t>
+              <a:t>Requests – allows the Spark streaming context make REST calls to the Twitter API</a:t>
             </a:r>
           </a:p>
           <a:p>
@@ -11600,6 +11365,13 @@
   <p:clrMapOvr>
     <a:masterClrMapping/>
   </p:clrMapOvr>
+  <p:timing>
+    <p:tnLst>
+      <p:par>
+        <p:cTn id="1" dur="indefinite" restart="never" nodeType="tmRoot"/>
+      </p:par>
+    </p:tnLst>
+  </p:timing>
 </p:sld>
 </file>
 
